--- a/Documentos/7. Apresentacao/7. Apresetacao.pptx
+++ b/Documentos/7. Apresentacao/7. Apresetacao.pptx
@@ -5,7 +5,7 @@
     <p:sldMasterId id="2147483795" r:id="rId1"/>
   </p:sldMasterIdLst>
   <p:notesMasterIdLst>
-    <p:notesMasterId r:id="rId17"/>
+    <p:notesMasterId r:id="rId18"/>
   </p:notesMasterIdLst>
   <p:sldIdLst>
     <p:sldId id="271" r:id="rId2"/>
@@ -23,6 +23,7 @@
     <p:sldId id="265" r:id="rId14"/>
     <p:sldId id="269" r:id="rId15"/>
     <p:sldId id="270" r:id="rId16"/>
+    <p:sldId id="272" r:id="rId17"/>
   </p:sldIdLst>
   <p:sldSz cx="12192000" cy="6858000"/>
   <p:notesSz cx="6858000" cy="9144000"/>
@@ -141,6 +142,7 @@
             <p14:sldId id="265"/>
             <p14:sldId id="269"/>
             <p14:sldId id="270"/>
+            <p14:sldId id="272"/>
           </p14:sldIdLst>
         </p14:section>
       </p14:sectionLst>
@@ -13659,21 +13661,6 @@
               </a:rPr>
               <a:t>Engenharia Informática</a:t>
             </a:r>
-            <a:r>
-              <a:rPr kumimoji="0" lang="pt-PT" sz="3200" b="0" i="0" u="none" strike="noStrike" kern="1200" cap="all" spc="0" normalizeH="0" baseline="0" noProof="0" dirty="0" smtClean="0">
-                <a:ln>
-                  <a:noFill/>
-                </a:ln>
-                <a:solidFill>
-                  <a:srgbClr val="191B0E"/>
-                </a:solidFill>
-                <a:effectLst/>
-                <a:uLnTx/>
-                <a:uFillTx/>
-                <a:latin typeface="Franklin Gothic Book" panose="020B0503020102020204"/>
-              </a:rPr>
-              <a:t/>
-            </a:r>
             <a:br>
               <a:rPr kumimoji="0" lang="pt-PT" sz="3200" b="0" i="0" u="none" strike="noStrike" kern="1200" cap="all" spc="0" normalizeH="0" baseline="0" noProof="0" dirty="0" smtClean="0">
                 <a:ln>
@@ -14162,28 +14149,7 @@
                 <a:latin typeface="Arial" panose="020B0604020202020204" pitchFamily="34" charset="0"/>
                 <a:cs typeface="Arial" panose="020B0604020202020204" pitchFamily="34" charset="0"/>
               </a:rPr>
-              <a:t>Maputo, </a:t>
-            </a:r>
-            <a:r>
-              <a:rPr lang="pt-PT" sz="1600" dirty="0" smtClean="0">
-                <a:latin typeface="Arial" panose="020B0604020202020204" pitchFamily="34" charset="0"/>
-                <a:cs typeface="Arial" panose="020B0604020202020204" pitchFamily="34" charset="0"/>
-              </a:rPr>
-              <a:t>Junh</a:t>
-            </a:r>
-            <a:r>
-              <a:rPr lang="pt-PT" sz="1600" dirty="0" smtClean="0">
-                <a:latin typeface="Arial" panose="020B0604020202020204" pitchFamily="34" charset="0"/>
-                <a:cs typeface="Arial" panose="020B0604020202020204" pitchFamily="34" charset="0"/>
-              </a:rPr>
-              <a:t>o </a:t>
-            </a:r>
-            <a:r>
-              <a:rPr lang="pt-PT" sz="1600" dirty="0" smtClean="0">
-                <a:latin typeface="Arial" panose="020B0604020202020204" pitchFamily="34" charset="0"/>
-                <a:cs typeface="Arial" panose="020B0604020202020204" pitchFamily="34" charset="0"/>
-              </a:rPr>
-              <a:t>de 2019</a:t>
+              <a:t>Maputo, Junho de 2019</a:t>
             </a:r>
             <a:endParaRPr lang="pt-BR" sz="1600" dirty="0">
               <a:latin typeface="Arial" panose="020B0604020202020204" pitchFamily="34" charset="0"/>
@@ -17323,6 +17289,169 @@
 </p:sld>
 </file>
 
+<file path=ppt/slides/slide16.xml><?xml version="1.0" encoding="utf-8"?>
+<p:sld xmlns:a="http://schemas.openxmlformats.org/drawingml/2006/main" xmlns:r="http://schemas.openxmlformats.org/officeDocument/2006/relationships" xmlns:p="http://schemas.openxmlformats.org/presentationml/2006/main">
+  <p:cSld>
+    <p:spTree>
+      <p:nvGrpSpPr>
+        <p:cNvPr id="1" name=""/>
+        <p:cNvGrpSpPr/>
+        <p:nvPr/>
+      </p:nvGrpSpPr>
+      <p:grpSpPr>
+        <a:xfrm>
+          <a:off x="0" y="0"/>
+          <a:ext cx="0" cy="0"/>
+          <a:chOff x="0" y="0"/>
+          <a:chExt cx="0" cy="0"/>
+        </a:xfrm>
+      </p:grpSpPr>
+      <p:sp>
+        <p:nvSpPr>
+          <p:cNvPr id="4" name="Slide Number Placeholder 3"/>
+          <p:cNvSpPr>
+            <a:spLocks noGrp="1"/>
+          </p:cNvSpPr>
+          <p:nvPr>
+            <p:ph type="sldNum" sz="quarter" idx="12"/>
+          </p:nvPr>
+        </p:nvSpPr>
+        <p:spPr/>
+        <p:txBody>
+          <a:bodyPr/>
+          <a:lstStyle/>
+          <a:p>
+            <a:fld id="{62F918C2-80A9-4A77-A563-55CC62ECF21D}" type="slidenum">
+              <a:rPr lang="pt-PT" smtClean="0"/>
+              <a:t>16</a:t>
+            </a:fld>
+            <a:endParaRPr lang="pt-PT"/>
+          </a:p>
+        </p:txBody>
+      </p:sp>
+      <p:pic>
+        <p:nvPicPr>
+          <p:cNvPr id="5" name="Picture 2"/>
+          <p:cNvPicPr>
+            <a:picLocks noChangeAspect="1" noChangeArrowheads="1"/>
+          </p:cNvPicPr>
+          <p:nvPr/>
+        </p:nvPicPr>
+        <p:blipFill>
+          <a:blip r:embed="rId2">
+            <a:extLst>
+              <a:ext uri="{28A0092B-C50C-407E-A947-70E740481C1C}">
+                <a14:useLocalDpi xmlns:a14="http://schemas.microsoft.com/office/drawing/2010/main" val="0"/>
+              </a:ext>
+            </a:extLst>
+          </a:blip>
+          <a:srcRect/>
+          <a:stretch>
+            <a:fillRect/>
+          </a:stretch>
+        </p:blipFill>
+        <p:spPr bwMode="auto">
+          <a:xfrm>
+            <a:off x="5491348" y="1127166"/>
+            <a:ext cx="1743075" cy="2943225"/>
+          </a:xfrm>
+          <a:prstGeom prst="rect">
+            <a:avLst/>
+          </a:prstGeom>
+          <a:noFill/>
+          <a:ln>
+            <a:noFill/>
+          </a:ln>
+          <a:effectLst/>
+          <a:extLst>
+            <a:ext uri="{909E8E84-426E-40dd-AFC4-6F175D3DCCD1}">
+              <a14:hiddenFill xmlns:a14="http://schemas.microsoft.com/office/drawing/2010/main" xmlns="">
+                <a:solidFill>
+                  <a:schemeClr val="accent1"/>
+                </a:solidFill>
+              </a14:hiddenFill>
+            </a:ext>
+            <a:ext uri="{91240B29-F687-4f45-9708-019B960494DF}">
+              <a14:hiddenLine xmlns:a14="http://schemas.microsoft.com/office/drawing/2010/main" xmlns="" w="9525">
+                <a:solidFill>
+                  <a:schemeClr val="tx1"/>
+                </a:solidFill>
+                <a:miter lim="800000"/>
+                <a:headEnd/>
+                <a:tailEnd/>
+              </a14:hiddenLine>
+            </a:ext>
+            <a:ext uri="{AF507438-7753-43e0-B8FC-AC1667EBCBE1}">
+              <a14:hiddenEffects xmlns:a14="http://schemas.microsoft.com/office/drawing/2010/main" xmlns="">
+                <a:effectLst>
+                  <a:outerShdw dist="35921" dir="2700000" algn="ctr" rotWithShape="0">
+                    <a:schemeClr val="bg2"/>
+                  </a:outerShdw>
+                </a:effectLst>
+              </a14:hiddenEffects>
+            </a:ext>
+          </a:extLst>
+        </p:spPr>
+      </p:pic>
+      <p:sp>
+        <p:nvSpPr>
+          <p:cNvPr id="6" name="Rectangle 5"/>
+          <p:cNvSpPr/>
+          <p:nvPr/>
+        </p:nvSpPr>
+        <p:spPr>
+          <a:xfrm>
+            <a:off x="3783765" y="4082263"/>
+            <a:ext cx="5158240" cy="914400"/>
+          </a:xfrm>
+          <a:prstGeom prst="rect">
+            <a:avLst/>
+          </a:prstGeom>
+        </p:spPr>
+        <p:style>
+          <a:lnRef idx="2">
+            <a:schemeClr val="accent6"/>
+          </a:lnRef>
+          <a:fillRef idx="1">
+            <a:schemeClr val="lt1"/>
+          </a:fillRef>
+          <a:effectRef idx="0">
+            <a:schemeClr val="accent6"/>
+          </a:effectRef>
+          <a:fontRef idx="minor">
+            <a:schemeClr val="dk1"/>
+          </a:fontRef>
+        </p:style>
+        <p:txBody>
+          <a:bodyPr rtlCol="0" anchor="ctr"/>
+          <a:lstStyle/>
+          <a:p>
+            <a:pPr algn="ctr"/>
+            <a:r>
+              <a:rPr lang="pt-PT" sz="3600" dirty="0" smtClean="0"/>
+              <a:t>Dúvidas </a:t>
+            </a:r>
+            <a:r>
+              <a:rPr lang="pt-PT" sz="3600" dirty="0"/>
+              <a:t>e Questões?</a:t>
+            </a:r>
+            <a:endParaRPr lang="pt-PT" sz="3600" dirty="0"/>
+          </a:p>
+        </p:txBody>
+      </p:sp>
+    </p:spTree>
+    <p:extLst>
+      <p:ext uri="{BB962C8B-B14F-4D97-AF65-F5344CB8AC3E}">
+        <p14:creationId xmlns:p14="http://schemas.microsoft.com/office/powerpoint/2010/main" val="686671728"/>
+      </p:ext>
+    </p:extLst>
+  </p:cSld>
+  <p:clrMapOvr>
+    <a:masterClrMapping/>
+  </p:clrMapOvr>
+</p:sld>
+</file>
+
 <file path=ppt/slides/slide2.xml><?xml version="1.0" encoding="utf-8"?>
 <p:sld xmlns:a="http://schemas.openxmlformats.org/drawingml/2006/main" xmlns:r="http://schemas.openxmlformats.org/officeDocument/2006/relationships" xmlns:p="http://schemas.openxmlformats.org/presentationml/2006/main">
   <p:cSld>

--- a/Documentos/7. Apresentacao/7. Apresetacao.pptx
+++ b/Documentos/7. Apresentacao/7. Apresetacao.pptx
@@ -17365,14 +17365,14 @@
           <a:effectLst/>
           <a:extLst>
             <a:ext uri="{909E8E84-426E-40dd-AFC4-6F175D3DCCD1}">
-              <a14:hiddenFill xmlns:a14="http://schemas.microsoft.com/office/drawing/2010/main" xmlns="">
+              <a14:hiddenFill xmlns="" xmlns:a14="http://schemas.microsoft.com/office/drawing/2010/main">
                 <a:solidFill>
                   <a:schemeClr val="accent1"/>
                 </a:solidFill>
               </a14:hiddenFill>
             </a:ext>
             <a:ext uri="{91240B29-F687-4f45-9708-019B960494DF}">
-              <a14:hiddenLine xmlns:a14="http://schemas.microsoft.com/office/drawing/2010/main" xmlns="" w="9525">
+              <a14:hiddenLine xmlns="" xmlns:a14="http://schemas.microsoft.com/office/drawing/2010/main" w="9525">
                 <a:solidFill>
                   <a:schemeClr val="tx1"/>
                 </a:solidFill>
@@ -17382,7 +17382,7 @@
               </a14:hiddenLine>
             </a:ext>
             <a:ext uri="{AF507438-7753-43e0-B8FC-AC1667EBCBE1}">
-              <a14:hiddenEffects xmlns:a14="http://schemas.microsoft.com/office/drawing/2010/main" xmlns="">
+              <a14:hiddenEffects xmlns="" xmlns:a14="http://schemas.microsoft.com/office/drawing/2010/main">
                 <a:effectLst>
                   <a:outerShdw dist="35921" dir="2700000" algn="ctr" rotWithShape="0">
                     <a:schemeClr val="bg2"/>
@@ -17435,7 +17435,6 @@
               <a:rPr lang="pt-PT" sz="3600" dirty="0"/>
               <a:t>e Questões?</a:t>
             </a:r>
-            <a:endParaRPr lang="pt-PT" sz="3600" dirty="0"/>
           </a:p>
         </p:txBody>
       </p:sp>
@@ -17627,7 +17626,27 @@
             </a:pPr>
             <a:r>
               <a:rPr lang="pt-BR" dirty="0"/>
-              <a:t>Pretende-se informatizar o sistema de gestão académica existente com o objectivo de melhorar a realização de actividades rotineiras do sector da secretaria das escolas. O sistema será composto por uma aplicação com interface </a:t>
+              <a:t>Pretende-se informatizar o sistema de </a:t>
+            </a:r>
+            <a:r>
+              <a:rPr lang="pt-BR"/>
+              <a:t>gestão </a:t>
+            </a:r>
+            <a:r>
+              <a:rPr lang="pt-BR" smtClean="0"/>
+              <a:t>esc</a:t>
+            </a:r>
+            <a:r>
+              <a:rPr lang="pt-BR" smtClean="0"/>
+              <a:t>olar </a:t>
+            </a:r>
+            <a:r>
+              <a:rPr lang="pt-BR" smtClean="0"/>
+              <a:t>existente </a:t>
+            </a:r>
+            <a:r>
+              <a:rPr lang="pt-BR" dirty="0"/>
+              <a:t>com o objectivo de melhorar a realização de actividades rotineiras do sector da secretaria das escolas. O sistema será composto por uma aplicação com interface </a:t>
             </a:r>
             <a:r>
               <a:rPr lang="pt-BR" i="1" dirty="0" smtClean="0"/>

--- a/Documentos/7. Apresentacao/7. Apresetacao.pptx
+++ b/Documentos/7. Apresentacao/7. Apresetacao.pptx
@@ -2021,8 +2021,8 @@
         <a:lstStyle/>
         <a:p>
           <a:r>
-            <a:rPr lang="en-US" dirty="0" smtClean="0"/>
-            <a:t>Sistema</a:t>
+            <a:rPr lang="en-US" smtClean="0"/>
+            <a:t>SGE</a:t>
           </a:r>
           <a:endParaRPr lang="pt-PT" dirty="0"/>
         </a:p>
@@ -3275,8 +3275,8 @@
             </a:spcAft>
           </a:pPr>
           <a:r>
-            <a:rPr lang="en-US" sz="3900" kern="1200" dirty="0" smtClean="0"/>
-            <a:t>Sistema</a:t>
+            <a:rPr lang="en-US" sz="3900" kern="1200" smtClean="0"/>
+            <a:t>SGE</a:t>
           </a:r>
           <a:endParaRPr lang="pt-PT" sz="3900" kern="1200" dirty="0"/>
         </a:p>
@@ -17626,22 +17626,18 @@
             </a:pPr>
             <a:r>
               <a:rPr lang="pt-BR" dirty="0"/>
-              <a:t>Pretende-se informatizar o sistema de </a:t>
-            </a:r>
-            <a:r>
-              <a:rPr lang="pt-BR"/>
-              <a:t>gestão </a:t>
-            </a:r>
-            <a:r>
-              <a:rPr lang="pt-BR" smtClean="0"/>
+              <a:t>Pretende-se informatizar o sistema de gestão </a:t>
+            </a:r>
+            <a:r>
+              <a:rPr lang="pt-BR" dirty="0" smtClean="0"/>
               <a:t>esc</a:t>
             </a:r>
             <a:r>
-              <a:rPr lang="pt-BR" smtClean="0"/>
+              <a:rPr lang="pt-BR" dirty="0" smtClean="0"/>
               <a:t>olar </a:t>
             </a:r>
             <a:r>
-              <a:rPr lang="pt-BR" smtClean="0"/>
+              <a:rPr lang="pt-BR" dirty="0" smtClean="0"/>
               <a:t>existente </a:t>
             </a:r>
             <a:r>
@@ -18567,7 +18563,7 @@
           <p:nvPr>
             <p:extLst>
               <p:ext uri="{D42A27DB-BD31-4B8C-83A1-F6EECF244321}">
-                <p14:modId xmlns:p14="http://schemas.microsoft.com/office/powerpoint/2010/main" val="2107060546"/>
+                <p14:modId xmlns:p14="http://schemas.microsoft.com/office/powerpoint/2010/main" val="1576755131"/>
               </p:ext>
             </p:extLst>
           </p:nvPr>

--- a/Documentos/7. Apresentacao/7. Apresetacao.pptx
+++ b/Documentos/7. Apresentacao/7. Apresetacao.pptx
@@ -2021,7 +2021,7 @@
         <a:lstStyle/>
         <a:p>
           <a:r>
-            <a:rPr lang="en-US" smtClean="0"/>
+            <a:rPr lang="en-US" dirty="0" smtClean="0"/>
             <a:t>SGE</a:t>
           </a:r>
           <a:endParaRPr lang="pt-PT" dirty="0"/>
@@ -3275,7 +3275,7 @@
             </a:spcAft>
           </a:pPr>
           <a:r>
-            <a:rPr lang="en-US" sz="3900" kern="1200" smtClean="0"/>
+            <a:rPr lang="en-US" sz="3900" kern="1200" dirty="0" smtClean="0"/>
             <a:t>SGE</a:t>
           </a:r>
           <a:endParaRPr lang="pt-PT" sz="3900" kern="1200" dirty="0"/>
@@ -17642,11 +17642,19 @@
             </a:r>
             <a:r>
               <a:rPr lang="pt-BR" dirty="0"/>
-              <a:t>com o objectivo de melhorar a realização de actividades rotineiras do sector da secretaria das escolas. O sistema será composto por uma aplicação com interface </a:t>
-            </a:r>
-            <a:r>
-              <a:rPr lang="pt-BR" i="1" dirty="0" smtClean="0"/>
-              <a:t>web </a:t>
+              <a:t>com o objectivo de melhorar a realização de actividades rotineiras do sector da secretaria das escolas. O sistema será composto por uma aplicação </a:t>
+            </a:r>
+            <a:r>
+              <a:rPr lang="pt-BR"/>
+              <a:t>com </a:t>
+            </a:r>
+            <a:r>
+              <a:rPr lang="pt-BR" smtClean="0"/>
+              <a:t>interface</a:t>
+            </a:r>
+            <a:r>
+              <a:rPr lang="pt-BR" i="1" smtClean="0"/>
+              <a:t> </a:t>
             </a:r>
             <a:r>
               <a:rPr lang="pt-BR" dirty="0" smtClean="0"/>
@@ -18461,7 +18469,7 @@
         </p:nvSpPr>
         <p:spPr>
           <a:xfrm>
-            <a:off x="677334" y="495300"/>
+            <a:off x="677334" y="507176"/>
             <a:ext cx="8596668" cy="1320800"/>
           </a:xfrm>
         </p:spPr>

--- a/Documentos/7. Apresentacao/7. Apresetacao.pptx
+++ b/Documentos/7. Apresentacao/7. Apresetacao.pptx
@@ -5,7 +5,7 @@
     <p:sldMasterId id="2147483795" r:id="rId1"/>
   </p:sldMasterIdLst>
   <p:notesMasterIdLst>
-    <p:notesMasterId r:id="rId18"/>
+    <p:notesMasterId r:id="rId27"/>
   </p:notesMasterIdLst>
   <p:sldIdLst>
     <p:sldId id="271" r:id="rId2"/>
@@ -23,7 +23,16 @@
     <p:sldId id="265" r:id="rId14"/>
     <p:sldId id="269" r:id="rId15"/>
     <p:sldId id="270" r:id="rId16"/>
-    <p:sldId id="272" r:id="rId17"/>
+    <p:sldId id="273" r:id="rId17"/>
+    <p:sldId id="274" r:id="rId18"/>
+    <p:sldId id="275" r:id="rId19"/>
+    <p:sldId id="276" r:id="rId20"/>
+    <p:sldId id="277" r:id="rId21"/>
+    <p:sldId id="278" r:id="rId22"/>
+    <p:sldId id="279" r:id="rId23"/>
+    <p:sldId id="280" r:id="rId24"/>
+    <p:sldId id="281" r:id="rId25"/>
+    <p:sldId id="272" r:id="rId26"/>
   </p:sldIdLst>
   <p:sldSz cx="12192000" cy="6858000"/>
   <p:notesSz cx="6858000" cy="9144000"/>
@@ -142,6 +151,15 @@
             <p14:sldId id="265"/>
             <p14:sldId id="269"/>
             <p14:sldId id="270"/>
+            <p14:sldId id="273"/>
+            <p14:sldId id="274"/>
+            <p14:sldId id="275"/>
+            <p14:sldId id="276"/>
+            <p14:sldId id="277"/>
+            <p14:sldId id="278"/>
+            <p14:sldId id="279"/>
+            <p14:sldId id="280"/>
+            <p14:sldId id="281"/>
             <p14:sldId id="272"/>
           </p14:sldIdLst>
         </p14:section>
@@ -17308,6 +17326,44 @@
       </p:grpSpPr>
       <p:sp>
         <p:nvSpPr>
+          <p:cNvPr id="2" name="Title 1"/>
+          <p:cNvSpPr>
+            <a:spLocks noGrp="1"/>
+          </p:cNvSpPr>
+          <p:nvPr>
+            <p:ph type="title"/>
+          </p:nvPr>
+        </p:nvSpPr>
+        <p:spPr>
+          <a:xfrm>
+            <a:off x="531667" y="2147514"/>
+            <a:ext cx="10364451" cy="1596177"/>
+          </a:xfrm>
+        </p:spPr>
+        <p:txBody>
+          <a:bodyPr>
+            <a:normAutofit/>
+          </a:bodyPr>
+          <a:lstStyle/>
+          <a:p>
+            <a:r>
+              <a:rPr lang="en-US" sz="4800" dirty="0" smtClean="0"/>
+              <a:t>Interfaces </a:t>
+            </a:r>
+            <a:r>
+              <a:rPr lang="en-US" sz="4800" dirty="0" err="1" smtClean="0"/>
+              <a:t>Graficas</a:t>
+            </a:r>
+            <a:r>
+              <a:rPr lang="en-US" sz="4800" dirty="0" smtClean="0"/>
+              <a:t> </a:t>
+            </a:r>
+            <a:endParaRPr lang="en-US" sz="4800" dirty="0"/>
+          </a:p>
+        </p:txBody>
+      </p:sp>
+      <p:sp>
+        <p:nvSpPr>
           <p:cNvPr id="4" name="Slide Number Placeholder 3"/>
           <p:cNvSpPr>
             <a:spLocks noGrp="1"/>
@@ -17324,6 +17380,1554 @@
             <a:fld id="{62F918C2-80A9-4A77-A563-55CC62ECF21D}" type="slidenum">
               <a:rPr lang="pt-PT" smtClean="0"/>
               <a:t>16</a:t>
+            </a:fld>
+            <a:endParaRPr lang="pt-PT"/>
+          </a:p>
+        </p:txBody>
+      </p:sp>
+    </p:spTree>
+    <p:extLst>
+      <p:ext uri="{BB962C8B-B14F-4D97-AF65-F5344CB8AC3E}">
+        <p14:creationId xmlns:p14="http://schemas.microsoft.com/office/powerpoint/2010/main" val="988446874"/>
+      </p:ext>
+    </p:extLst>
+  </p:cSld>
+  <p:clrMapOvr>
+    <a:masterClrMapping/>
+  </p:clrMapOvr>
+</p:sld>
+</file>
+
+<file path=ppt/slides/slide17.xml><?xml version="1.0" encoding="utf-8"?>
+<p:sld xmlns:a="http://schemas.openxmlformats.org/drawingml/2006/main" xmlns:r="http://schemas.openxmlformats.org/officeDocument/2006/relationships" xmlns:p="http://schemas.openxmlformats.org/presentationml/2006/main">
+  <p:cSld>
+    <p:spTree>
+      <p:nvGrpSpPr>
+        <p:cNvPr id="1" name=""/>
+        <p:cNvGrpSpPr/>
+        <p:nvPr/>
+      </p:nvGrpSpPr>
+      <p:grpSpPr>
+        <a:xfrm>
+          <a:off x="0" y="0"/>
+          <a:ext cx="0" cy="0"/>
+          <a:chOff x="0" y="0"/>
+          <a:chExt cx="0" cy="0"/>
+        </a:xfrm>
+      </p:grpSpPr>
+      <p:sp>
+        <p:nvSpPr>
+          <p:cNvPr id="2" name="Title 1"/>
+          <p:cNvSpPr>
+            <a:spLocks noGrp="1"/>
+          </p:cNvSpPr>
+          <p:nvPr>
+            <p:ph type="title"/>
+          </p:nvPr>
+        </p:nvSpPr>
+        <p:spPr/>
+        <p:txBody>
+          <a:bodyPr>
+            <a:normAutofit fontScale="90000"/>
+          </a:bodyPr>
+          <a:lstStyle/>
+          <a:p>
+            <a:pPr lvl="1" algn="ctr" rtl="0">
+              <a:lnSpc>
+                <a:spcPct val="90000"/>
+              </a:lnSpc>
+              <a:spcBef>
+                <a:spcPct val="0"/>
+              </a:spcBef>
+            </a:pPr>
+            <a:r>
+              <a:rPr lang="pt-PT" sz="2200" b="1" dirty="0"/>
+              <a:t>Login do </a:t>
+            </a:r>
+            <a:r>
+              <a:rPr lang="pt-PT" sz="2200" b="1" dirty="0" smtClean="0"/>
+              <a:t>sistema</a:t>
+            </a:r>
+            <a:r>
+              <a:rPr lang="pt-PT" sz="4000" b="1" dirty="0" smtClean="0"/>
+              <a:t/>
+            </a:r>
+            <a:br>
+              <a:rPr lang="pt-PT" sz="4000" b="1" dirty="0" smtClean="0"/>
+            </a:br>
+            <a:r>
+              <a:rPr lang="pt-PT" sz="4000" b="1" dirty="0" smtClean="0"/>
+              <a:t/>
+            </a:r>
+            <a:br>
+              <a:rPr lang="pt-PT" sz="4000" b="1" dirty="0" smtClean="0"/>
+            </a:br>
+            <a:r>
+              <a:rPr lang="pt-PT" sz="2000" dirty="0"/>
+              <a:t>Esta </a:t>
+            </a:r>
+            <a:r>
+              <a:rPr lang="pt-PT" sz="2000" dirty="0" err="1"/>
+              <a:t>interfece</a:t>
+            </a:r>
+            <a:r>
+              <a:rPr lang="pt-PT" sz="2000" dirty="0"/>
+              <a:t> permite os usuários acederem ao sistema.</a:t>
+            </a:r>
+            <a:r>
+              <a:rPr lang="en-US" sz="2000" dirty="0"/>
+              <a:t/>
+            </a:r>
+            <a:br>
+              <a:rPr lang="en-US" sz="2000" dirty="0"/>
+            </a:br>
+            <a:r>
+              <a:rPr lang="en-US" sz="2000" b="1" dirty="0"/>
+              <a:t/>
+            </a:r>
+            <a:br>
+              <a:rPr lang="en-US" sz="2000" b="1" dirty="0"/>
+            </a:br>
+            <a:endParaRPr lang="en-US" dirty="0"/>
+          </a:p>
+        </p:txBody>
+      </p:sp>
+      <p:pic>
+        <p:nvPicPr>
+          <p:cNvPr id="5" name="Content Placeholder 4"/>
+          <p:cNvPicPr>
+            <a:picLocks noGrp="1" noChangeAspect="1"/>
+          </p:cNvPicPr>
+          <p:nvPr>
+            <p:ph sz="quarter" idx="13"/>
+          </p:nvPr>
+        </p:nvPicPr>
+        <p:blipFill>
+          <a:blip r:embed="rId2">
+            <a:extLst>
+              <a:ext uri="{28A0092B-C50C-407E-A947-70E740481C1C}">
+                <a14:useLocalDpi xmlns:a14="http://schemas.microsoft.com/office/drawing/2010/main" val="0"/>
+              </a:ext>
+            </a:extLst>
+          </a:blip>
+          <a:stretch>
+            <a:fillRect/>
+          </a:stretch>
+        </p:blipFill>
+        <p:spPr>
+          <a:xfrm>
+            <a:off x="913774" y="2214693"/>
+            <a:ext cx="10364452" cy="4214695"/>
+          </a:xfrm>
+        </p:spPr>
+      </p:pic>
+      <p:sp>
+        <p:nvSpPr>
+          <p:cNvPr id="4" name="Slide Number Placeholder 3"/>
+          <p:cNvSpPr>
+            <a:spLocks noGrp="1"/>
+          </p:cNvSpPr>
+          <p:nvPr>
+            <p:ph type="sldNum" sz="quarter" idx="12"/>
+          </p:nvPr>
+        </p:nvSpPr>
+        <p:spPr/>
+        <p:txBody>
+          <a:bodyPr/>
+          <a:lstStyle/>
+          <a:p>
+            <a:fld id="{62F918C2-80A9-4A77-A563-55CC62ECF21D}" type="slidenum">
+              <a:rPr lang="pt-PT" smtClean="0"/>
+              <a:t>17</a:t>
+            </a:fld>
+            <a:endParaRPr lang="pt-PT"/>
+          </a:p>
+        </p:txBody>
+      </p:sp>
+    </p:spTree>
+    <p:extLst>
+      <p:ext uri="{BB962C8B-B14F-4D97-AF65-F5344CB8AC3E}">
+        <p14:creationId xmlns:p14="http://schemas.microsoft.com/office/powerpoint/2010/main" val="926320513"/>
+      </p:ext>
+    </p:extLst>
+  </p:cSld>
+  <p:clrMapOvr>
+    <a:masterClrMapping/>
+  </p:clrMapOvr>
+</p:sld>
+</file>
+
+<file path=ppt/slides/slide18.xml><?xml version="1.0" encoding="utf-8"?>
+<p:sld xmlns:a="http://schemas.openxmlformats.org/drawingml/2006/main" xmlns:r="http://schemas.openxmlformats.org/officeDocument/2006/relationships" xmlns:p="http://schemas.openxmlformats.org/presentationml/2006/main">
+  <p:cSld>
+    <p:spTree>
+      <p:nvGrpSpPr>
+        <p:cNvPr id="1" name=""/>
+        <p:cNvGrpSpPr/>
+        <p:nvPr/>
+      </p:nvGrpSpPr>
+      <p:grpSpPr>
+        <a:xfrm>
+          <a:off x="0" y="0"/>
+          <a:ext cx="0" cy="0"/>
+          <a:chOff x="0" y="0"/>
+          <a:chExt cx="0" cy="0"/>
+        </a:xfrm>
+      </p:grpSpPr>
+      <p:sp>
+        <p:nvSpPr>
+          <p:cNvPr id="2" name="Title 1"/>
+          <p:cNvSpPr>
+            <a:spLocks noGrp="1"/>
+          </p:cNvSpPr>
+          <p:nvPr>
+            <p:ph type="title"/>
+          </p:nvPr>
+        </p:nvSpPr>
+        <p:spPr/>
+        <p:txBody>
+          <a:bodyPr/>
+          <a:lstStyle/>
+          <a:p>
+            <a:pPr lvl="1" algn="ctr" rtl="0">
+              <a:lnSpc>
+                <a:spcPct val="90000"/>
+              </a:lnSpc>
+              <a:spcBef>
+                <a:spcPct val="0"/>
+              </a:spcBef>
+            </a:pPr>
+            <a:r>
+              <a:rPr lang="pt-PT" sz="2000" b="1" dirty="0"/>
+              <a:t>Menu dos </a:t>
+            </a:r>
+            <a:r>
+              <a:rPr lang="pt-PT" sz="2000" b="1" dirty="0" smtClean="0"/>
+              <a:t>Usuários</a:t>
+            </a:r>
+            <a:r>
+              <a:rPr lang="pt-PT" b="1" dirty="0" smtClean="0"/>
+              <a:t/>
+            </a:r>
+            <a:br>
+              <a:rPr lang="pt-PT" b="1" dirty="0" smtClean="0"/>
+            </a:br>
+            <a:r>
+              <a:rPr lang="en-US" sz="2000" b="1" dirty="0"/>
+              <a:t/>
+            </a:r>
+            <a:br>
+              <a:rPr lang="en-US" sz="2000" b="1" dirty="0"/>
+            </a:br>
+            <a:r>
+              <a:rPr lang="pt-PT" dirty="0"/>
+              <a:t>Essa interface ilustra o Menu Principal do sistema, no qual o funcionário assim como o professor tem a chance de entrar no sistema.</a:t>
+            </a:r>
+            <a:r>
+              <a:rPr lang="en-US" dirty="0"/>
+              <a:t/>
+            </a:r>
+            <a:br>
+              <a:rPr lang="en-US" dirty="0"/>
+            </a:br>
+            <a:endParaRPr lang="en-US" dirty="0"/>
+          </a:p>
+        </p:txBody>
+      </p:sp>
+      <p:sp>
+        <p:nvSpPr>
+          <p:cNvPr id="4" name="Slide Number Placeholder 3"/>
+          <p:cNvSpPr>
+            <a:spLocks noGrp="1"/>
+          </p:cNvSpPr>
+          <p:nvPr>
+            <p:ph type="sldNum" sz="quarter" idx="12"/>
+          </p:nvPr>
+        </p:nvSpPr>
+        <p:spPr/>
+        <p:txBody>
+          <a:bodyPr/>
+          <a:lstStyle/>
+          <a:p>
+            <a:fld id="{62F918C2-80A9-4A77-A563-55CC62ECF21D}" type="slidenum">
+              <a:rPr lang="pt-PT" smtClean="0"/>
+              <a:t>18</a:t>
+            </a:fld>
+            <a:endParaRPr lang="pt-PT"/>
+          </a:p>
+        </p:txBody>
+      </p:sp>
+      <p:sp>
+        <p:nvSpPr>
+          <p:cNvPr id="6" name="Rectangle 4"/>
+          <p:cNvSpPr>
+            <a:spLocks noChangeArrowheads="1"/>
+          </p:cNvSpPr>
+          <p:nvPr/>
+        </p:nvSpPr>
+        <p:spPr bwMode="auto">
+          <a:xfrm>
+            <a:off x="913774" y="2214693"/>
+            <a:ext cx="31093356" cy="45719"/>
+          </a:xfrm>
+          <a:prstGeom prst="rect">
+            <a:avLst/>
+          </a:prstGeom>
+          <a:noFill/>
+          <a:ln>
+            <a:noFill/>
+          </a:ln>
+          <a:effectLst/>
+          <a:extLst>
+            <a:ext uri="{909E8E84-426E-40DD-AFC4-6F175D3DCCD1}">
+              <a14:hiddenFill xmlns:a14="http://schemas.microsoft.com/office/drawing/2010/main">
+                <a:solidFill>
+                  <a:schemeClr val="accent1"/>
+                </a:solidFill>
+              </a14:hiddenFill>
+            </a:ext>
+            <a:ext uri="{91240B29-F687-4F45-9708-019B960494DF}">
+              <a14:hiddenLine xmlns:a14="http://schemas.microsoft.com/office/drawing/2010/main" w="9525">
+                <a:solidFill>
+                  <a:schemeClr val="tx1"/>
+                </a:solidFill>
+                <a:miter lim="800000"/>
+                <a:headEnd/>
+                <a:tailEnd/>
+              </a14:hiddenLine>
+            </a:ext>
+            <a:ext uri="{AF507438-7753-43E0-B8FC-AC1667EBCBE1}">
+              <a14:hiddenEffects xmlns:a14="http://schemas.microsoft.com/office/drawing/2010/main">
+                <a:effectLst>
+                  <a:outerShdw blurRad="63500" dist="38099" dir="2700000" algn="ctr" rotWithShape="0">
+                    <a:schemeClr val="bg2">
+                      <a:alpha val="74998"/>
+                    </a:schemeClr>
+                  </a:outerShdw>
+                </a:effectLst>
+              </a14:hiddenEffects>
+            </a:ext>
+          </a:extLst>
+        </p:spPr>
+        <p:txBody>
+          <a:bodyPr vert="horz" wrap="square" lIns="91440" tIns="45720" rIns="91440" bIns="45720" numCol="1" anchor="ctr" anchorCtr="0" compatLnSpc="1">
+            <a:prstTxWarp prst="textNoShape">
+              <a:avLst/>
+            </a:prstTxWarp>
+            <a:spAutoFit/>
+          </a:bodyPr>
+          <a:lstStyle/>
+          <a:p>
+            <a:endParaRPr lang="en-US"/>
+          </a:p>
+        </p:txBody>
+      </p:sp>
+      <p:pic>
+        <p:nvPicPr>
+          <p:cNvPr id="3075" name="Imagem 6" descr="C:\Users\Belmira Muchanga\Desktop\Mockups\Mockups (Gestao Escolar)\Menu Principal.png"/>
+          <p:cNvPicPr>
+            <a:picLocks noChangeAspect="1" noChangeArrowheads="1"/>
+          </p:cNvPicPr>
+          <p:nvPr/>
+        </p:nvPicPr>
+        <p:blipFill>
+          <a:blip r:embed="rId2">
+            <a:extLst>
+              <a:ext uri="{28A0092B-C50C-407E-A947-70E740481C1C}">
+                <a14:useLocalDpi xmlns:a14="http://schemas.microsoft.com/office/drawing/2010/main" val="0"/>
+              </a:ext>
+            </a:extLst>
+          </a:blip>
+          <a:srcRect l="8566" t="23567" r="27127" b="6052"/>
+          <a:stretch>
+            <a:fillRect/>
+          </a:stretch>
+        </p:blipFill>
+        <p:spPr bwMode="auto">
+          <a:xfrm>
+            <a:off x="913774" y="2214694"/>
+            <a:ext cx="10364452" cy="4321017"/>
+          </a:xfrm>
+          <a:prstGeom prst="rect">
+            <a:avLst/>
+          </a:prstGeom>
+          <a:noFill/>
+          <a:extLst>
+            <a:ext uri="{909E8E84-426E-40DD-AFC4-6F175D3DCCD1}">
+              <a14:hiddenFill xmlns:a14="http://schemas.microsoft.com/office/drawing/2010/main">
+                <a:solidFill>
+                  <a:srgbClr val="FFFFFF"/>
+                </a:solidFill>
+              </a14:hiddenFill>
+            </a:ext>
+          </a:extLst>
+        </p:spPr>
+      </p:pic>
+    </p:spTree>
+    <p:extLst>
+      <p:ext uri="{BB962C8B-B14F-4D97-AF65-F5344CB8AC3E}">
+        <p14:creationId xmlns:p14="http://schemas.microsoft.com/office/powerpoint/2010/main" val="64554605"/>
+      </p:ext>
+    </p:extLst>
+  </p:cSld>
+  <p:clrMapOvr>
+    <a:masterClrMapping/>
+  </p:clrMapOvr>
+</p:sld>
+</file>
+
+<file path=ppt/slides/slide19.xml><?xml version="1.0" encoding="utf-8"?>
+<p:sld xmlns:a="http://schemas.openxmlformats.org/drawingml/2006/main" xmlns:r="http://schemas.openxmlformats.org/officeDocument/2006/relationships" xmlns:p="http://schemas.openxmlformats.org/presentationml/2006/main">
+  <p:cSld>
+    <p:spTree>
+      <p:nvGrpSpPr>
+        <p:cNvPr id="1" name=""/>
+        <p:cNvGrpSpPr/>
+        <p:nvPr/>
+      </p:nvGrpSpPr>
+      <p:grpSpPr>
+        <a:xfrm>
+          <a:off x="0" y="0"/>
+          <a:ext cx="0" cy="0"/>
+          <a:chOff x="0" y="0"/>
+          <a:chExt cx="0" cy="0"/>
+        </a:xfrm>
+      </p:grpSpPr>
+      <p:sp>
+        <p:nvSpPr>
+          <p:cNvPr id="2" name="Title 1"/>
+          <p:cNvSpPr>
+            <a:spLocks noGrp="1"/>
+          </p:cNvSpPr>
+          <p:nvPr>
+            <p:ph type="title"/>
+          </p:nvPr>
+        </p:nvSpPr>
+        <p:spPr/>
+        <p:txBody>
+          <a:bodyPr>
+            <a:normAutofit fontScale="90000"/>
+          </a:bodyPr>
+          <a:lstStyle/>
+          <a:p>
+            <a:pPr lvl="1" algn="ctr" rtl="0">
+              <a:lnSpc>
+                <a:spcPct val="90000"/>
+              </a:lnSpc>
+              <a:spcBef>
+                <a:spcPct val="0"/>
+              </a:spcBef>
+            </a:pPr>
+            <a:r>
+              <a:rPr lang="pt-PT" sz="2200" b="1" dirty="0" smtClean="0"/>
+              <a:t>Menu </a:t>
+            </a:r>
+            <a:r>
+              <a:rPr lang="pt-PT" sz="2200" b="1" dirty="0"/>
+              <a:t>do </a:t>
+            </a:r>
+            <a:r>
+              <a:rPr lang="pt-PT" sz="2200" b="1" dirty="0" err="1" smtClean="0"/>
+              <a:t>Funcionario</a:t>
+            </a:r>
+            <a:r>
+              <a:rPr lang="pt-PT" b="1" dirty="0" smtClean="0"/>
+              <a:t/>
+            </a:r>
+            <a:br>
+              <a:rPr lang="pt-PT" b="1" dirty="0" smtClean="0"/>
+            </a:br>
+            <a:r>
+              <a:rPr lang="en-US" sz="2000" b="1" dirty="0"/>
+              <a:t/>
+            </a:r>
+            <a:br>
+              <a:rPr lang="en-US" sz="2000" b="1" dirty="0"/>
+            </a:br>
+            <a:r>
+              <a:rPr lang="pt-PT" dirty="0"/>
+              <a:t>Essa interface destina-se ao Funcionário </a:t>
+            </a:r>
+            <a:r>
+              <a:rPr lang="pt-PT" dirty="0" smtClean="0"/>
+              <a:t>, onde pode </a:t>
+            </a:r>
+            <a:r>
+              <a:rPr lang="pt-PT" dirty="0"/>
+              <a:t>exercer várias funcionalidades tais como: cadastrar professores, funcionários e alunos. Pode ainda </a:t>
+            </a:r>
+            <a:r>
+              <a:rPr lang="pt-PT" dirty="0" err="1"/>
+              <a:t>efectuar</a:t>
+            </a:r>
+            <a:r>
+              <a:rPr lang="pt-PT" dirty="0"/>
+              <a:t> a matrícula, inscrição e alocar o estudante numa determinada turma, emitindo a pauta e ate mesmo imprimindo relatórios referentes aos professores e alunos.</a:t>
+            </a:r>
+            <a:r>
+              <a:rPr lang="en-US" dirty="0"/>
+              <a:t/>
+            </a:r>
+            <a:br>
+              <a:rPr lang="en-US" dirty="0"/>
+            </a:br>
+            <a:endParaRPr lang="en-US" dirty="0"/>
+          </a:p>
+        </p:txBody>
+      </p:sp>
+      <p:sp>
+        <p:nvSpPr>
+          <p:cNvPr id="4" name="Slide Number Placeholder 3"/>
+          <p:cNvSpPr>
+            <a:spLocks noGrp="1"/>
+          </p:cNvSpPr>
+          <p:nvPr>
+            <p:ph type="sldNum" sz="quarter" idx="12"/>
+          </p:nvPr>
+        </p:nvSpPr>
+        <p:spPr/>
+        <p:txBody>
+          <a:bodyPr/>
+          <a:lstStyle/>
+          <a:p>
+            <a:fld id="{62F918C2-80A9-4A77-A563-55CC62ECF21D}" type="slidenum">
+              <a:rPr lang="pt-PT" smtClean="0"/>
+              <a:t>19</a:t>
+            </a:fld>
+            <a:endParaRPr lang="pt-PT"/>
+          </a:p>
+        </p:txBody>
+      </p:sp>
+      <p:pic>
+        <p:nvPicPr>
+          <p:cNvPr id="5" name="Picture 4"/>
+          <p:cNvPicPr>
+            <a:picLocks noChangeAspect="1"/>
+          </p:cNvPicPr>
+          <p:nvPr/>
+        </p:nvPicPr>
+        <p:blipFill>
+          <a:blip r:embed="rId2">
+            <a:extLst>
+              <a:ext uri="{28A0092B-C50C-407E-A947-70E740481C1C}">
+                <a14:useLocalDpi xmlns:a14="http://schemas.microsoft.com/office/drawing/2010/main" val="0"/>
+              </a:ext>
+            </a:extLst>
+          </a:blip>
+          <a:stretch>
+            <a:fillRect/>
+          </a:stretch>
+        </p:blipFill>
+        <p:spPr>
+          <a:xfrm>
+            <a:off x="1483401" y="2214694"/>
+            <a:ext cx="8365137" cy="4336008"/>
+          </a:xfrm>
+          <a:prstGeom prst="rect">
+            <a:avLst/>
+          </a:prstGeom>
+        </p:spPr>
+      </p:pic>
+    </p:spTree>
+    <p:extLst>
+      <p:ext uri="{BB962C8B-B14F-4D97-AF65-F5344CB8AC3E}">
+        <p14:creationId xmlns:p14="http://schemas.microsoft.com/office/powerpoint/2010/main" val="516098082"/>
+      </p:ext>
+    </p:extLst>
+  </p:cSld>
+  <p:clrMapOvr>
+    <a:masterClrMapping/>
+  </p:clrMapOvr>
+</p:sld>
+</file>
+
+<file path=ppt/slides/slide2.xml><?xml version="1.0" encoding="utf-8"?>
+<p:sld xmlns:a="http://schemas.openxmlformats.org/drawingml/2006/main" xmlns:r="http://schemas.openxmlformats.org/officeDocument/2006/relationships" xmlns:p="http://schemas.openxmlformats.org/presentationml/2006/main">
+  <p:cSld>
+    <p:spTree>
+      <p:nvGrpSpPr>
+        <p:cNvPr id="1" name=""/>
+        <p:cNvGrpSpPr/>
+        <p:nvPr/>
+      </p:nvGrpSpPr>
+      <p:grpSpPr>
+        <a:xfrm>
+          <a:off x="0" y="0"/>
+          <a:ext cx="0" cy="0"/>
+          <a:chOff x="0" y="0"/>
+          <a:chExt cx="0" cy="0"/>
+        </a:xfrm>
+      </p:grpSpPr>
+      <p:sp>
+        <p:nvSpPr>
+          <p:cNvPr id="2" name="Title 1"/>
+          <p:cNvSpPr>
+            <a:spLocks noGrp="1"/>
+          </p:cNvSpPr>
+          <p:nvPr>
+            <p:ph type="title"/>
+          </p:nvPr>
+        </p:nvSpPr>
+        <p:spPr/>
+        <p:txBody>
+          <a:bodyPr/>
+          <a:lstStyle/>
+          <a:p>
+            <a:r>
+              <a:rPr lang="en-US" dirty="0" smtClean="0"/>
+              <a:t>Agenda</a:t>
+            </a:r>
+            <a:endParaRPr lang="pt-PT" dirty="0"/>
+          </a:p>
+        </p:txBody>
+      </p:sp>
+      <p:graphicFrame>
+        <p:nvGraphicFramePr>
+          <p:cNvPr id="4" name="Content Placeholder 3"/>
+          <p:cNvGraphicFramePr>
+            <a:graphicFrameLocks noGrp="1"/>
+          </p:cNvGraphicFramePr>
+          <p:nvPr>
+            <p:ph sz="quarter" idx="13"/>
+            <p:extLst>
+              <p:ext uri="{D42A27DB-BD31-4B8C-83A1-F6EECF244321}">
+                <p14:modId xmlns:p14="http://schemas.microsoft.com/office/powerpoint/2010/main" val="39640471"/>
+              </p:ext>
+            </p:extLst>
+          </p:nvPr>
+        </p:nvGraphicFramePr>
+        <p:xfrm>
+          <a:off x="913775" y="2108266"/>
+          <a:ext cx="8596312" cy="3881437"/>
+        </p:xfrm>
+        <a:graphic>
+          <a:graphicData uri="http://schemas.openxmlformats.org/drawingml/2006/diagram">
+            <dgm:relIds xmlns:dgm="http://schemas.openxmlformats.org/drawingml/2006/diagram" xmlns:r="http://schemas.openxmlformats.org/officeDocument/2006/relationships" r:dm="rId2" r:lo="rId3" r:qs="rId4" r:cs="rId5"/>
+          </a:graphicData>
+        </a:graphic>
+      </p:graphicFrame>
+      <p:sp>
+        <p:nvSpPr>
+          <p:cNvPr id="3" name="Marcador de Posição do Número do Diapositivo 2"/>
+          <p:cNvSpPr>
+            <a:spLocks noGrp="1"/>
+          </p:cNvSpPr>
+          <p:nvPr>
+            <p:ph type="sldNum" sz="quarter" idx="12"/>
+          </p:nvPr>
+        </p:nvSpPr>
+        <p:spPr/>
+        <p:txBody>
+          <a:bodyPr/>
+          <a:lstStyle/>
+          <a:p>
+            <a:fld id="{62F918C2-80A9-4A77-A563-55CC62ECF21D}" type="slidenum">
+              <a:rPr lang="pt-PT" smtClean="0"/>
+              <a:t>2</a:t>
+            </a:fld>
+            <a:endParaRPr lang="pt-PT"/>
+          </a:p>
+        </p:txBody>
+      </p:sp>
+    </p:spTree>
+    <p:extLst>
+      <p:ext uri="{BB962C8B-B14F-4D97-AF65-F5344CB8AC3E}">
+        <p14:creationId xmlns:p14="http://schemas.microsoft.com/office/powerpoint/2010/main" val="1596957041"/>
+      </p:ext>
+    </p:extLst>
+  </p:cSld>
+  <p:clrMapOvr>
+    <a:masterClrMapping/>
+  </p:clrMapOvr>
+  <p:timing>
+    <p:tnLst>
+      <p:par>
+        <p:cTn id="1" dur="indefinite" restart="never" nodeType="tmRoot"/>
+      </p:par>
+    </p:tnLst>
+  </p:timing>
+</p:sld>
+</file>
+
+<file path=ppt/slides/slide20.xml><?xml version="1.0" encoding="utf-8"?>
+<p:sld xmlns:a="http://schemas.openxmlformats.org/drawingml/2006/main" xmlns:r="http://schemas.openxmlformats.org/officeDocument/2006/relationships" xmlns:p="http://schemas.openxmlformats.org/presentationml/2006/main">
+  <p:cSld>
+    <p:spTree>
+      <p:nvGrpSpPr>
+        <p:cNvPr id="1" name=""/>
+        <p:cNvGrpSpPr/>
+        <p:nvPr/>
+      </p:nvGrpSpPr>
+      <p:grpSpPr>
+        <a:xfrm>
+          <a:off x="0" y="0"/>
+          <a:ext cx="0" cy="0"/>
+          <a:chOff x="0" y="0"/>
+          <a:chExt cx="0" cy="0"/>
+        </a:xfrm>
+      </p:grpSpPr>
+      <p:sp>
+        <p:nvSpPr>
+          <p:cNvPr id="2" name="Title 1"/>
+          <p:cNvSpPr>
+            <a:spLocks noGrp="1"/>
+          </p:cNvSpPr>
+          <p:nvPr>
+            <p:ph type="title"/>
+          </p:nvPr>
+        </p:nvSpPr>
+        <p:spPr/>
+        <p:txBody>
+          <a:bodyPr/>
+          <a:lstStyle/>
+          <a:p>
+            <a:pPr lvl="1" algn="ctr" rtl="0">
+              <a:lnSpc>
+                <a:spcPct val="90000"/>
+              </a:lnSpc>
+              <a:spcBef>
+                <a:spcPct val="0"/>
+              </a:spcBef>
+            </a:pPr>
+            <a:r>
+              <a:rPr lang="pt-PT" sz="2000" b="1" dirty="0"/>
+              <a:t>Menu do </a:t>
+            </a:r>
+            <a:r>
+              <a:rPr lang="pt-PT" sz="2000" b="1" dirty="0" smtClean="0"/>
+              <a:t>Professor</a:t>
+            </a:r>
+            <a:r>
+              <a:rPr lang="pt-PT" b="1" dirty="0" smtClean="0"/>
+              <a:t/>
+            </a:r>
+            <a:br>
+              <a:rPr lang="pt-PT" b="1" dirty="0" smtClean="0"/>
+            </a:br>
+            <a:r>
+              <a:rPr lang="en-US" sz="2000" b="1" dirty="0"/>
+              <a:t/>
+            </a:r>
+            <a:br>
+              <a:rPr lang="en-US" sz="2000" b="1" dirty="0"/>
+            </a:br>
+            <a:r>
+              <a:rPr lang="pt-PT" dirty="0"/>
+              <a:t>Essa interface destina-se ao Professor, na qual pode preencher e imprimir a pauta, imprimir relatórios referentes aos estudantes desejados, bem como pesquisar os estudantes.</a:t>
+            </a:r>
+            <a:r>
+              <a:rPr lang="en-US" dirty="0"/>
+              <a:t/>
+            </a:r>
+            <a:br>
+              <a:rPr lang="en-US" dirty="0"/>
+            </a:br>
+            <a:endParaRPr lang="en-US" dirty="0"/>
+          </a:p>
+        </p:txBody>
+      </p:sp>
+      <p:sp>
+        <p:nvSpPr>
+          <p:cNvPr id="4" name="Slide Number Placeholder 3"/>
+          <p:cNvSpPr>
+            <a:spLocks noGrp="1"/>
+          </p:cNvSpPr>
+          <p:nvPr>
+            <p:ph type="sldNum" sz="quarter" idx="12"/>
+          </p:nvPr>
+        </p:nvSpPr>
+        <p:spPr/>
+        <p:txBody>
+          <a:bodyPr/>
+          <a:lstStyle/>
+          <a:p>
+            <a:fld id="{62F918C2-80A9-4A77-A563-55CC62ECF21D}" type="slidenum">
+              <a:rPr lang="pt-PT" smtClean="0"/>
+              <a:t>20</a:t>
+            </a:fld>
+            <a:endParaRPr lang="pt-PT"/>
+          </a:p>
+        </p:txBody>
+      </p:sp>
+      <p:pic>
+        <p:nvPicPr>
+          <p:cNvPr id="5" name="Picture 4"/>
+          <p:cNvPicPr>
+            <a:picLocks noChangeAspect="1"/>
+          </p:cNvPicPr>
+          <p:nvPr/>
+        </p:nvPicPr>
+        <p:blipFill>
+          <a:blip r:embed="rId2">
+            <a:extLst>
+              <a:ext uri="{28A0092B-C50C-407E-A947-70E740481C1C}">
+                <a14:useLocalDpi xmlns:a14="http://schemas.microsoft.com/office/drawing/2010/main" val="0"/>
+              </a:ext>
+            </a:extLst>
+          </a:blip>
+          <a:stretch>
+            <a:fillRect/>
+          </a:stretch>
+        </p:blipFill>
+        <p:spPr>
+          <a:xfrm>
+            <a:off x="1108644" y="2214694"/>
+            <a:ext cx="10208927" cy="4033706"/>
+          </a:xfrm>
+          <a:prstGeom prst="rect">
+            <a:avLst/>
+          </a:prstGeom>
+        </p:spPr>
+      </p:pic>
+    </p:spTree>
+    <p:extLst>
+      <p:ext uri="{BB962C8B-B14F-4D97-AF65-F5344CB8AC3E}">
+        <p14:creationId xmlns:p14="http://schemas.microsoft.com/office/powerpoint/2010/main" val="1329699745"/>
+      </p:ext>
+    </p:extLst>
+  </p:cSld>
+  <p:clrMapOvr>
+    <a:masterClrMapping/>
+  </p:clrMapOvr>
+</p:sld>
+</file>
+
+<file path=ppt/slides/slide21.xml><?xml version="1.0" encoding="utf-8"?>
+<p:sld xmlns:a="http://schemas.openxmlformats.org/drawingml/2006/main" xmlns:r="http://schemas.openxmlformats.org/officeDocument/2006/relationships" xmlns:p="http://schemas.openxmlformats.org/presentationml/2006/main">
+  <p:cSld>
+    <p:spTree>
+      <p:nvGrpSpPr>
+        <p:cNvPr id="1" name=""/>
+        <p:cNvGrpSpPr/>
+        <p:nvPr/>
+      </p:nvGrpSpPr>
+      <p:grpSpPr>
+        <a:xfrm>
+          <a:off x="0" y="0"/>
+          <a:ext cx="0" cy="0"/>
+          <a:chOff x="0" y="0"/>
+          <a:chExt cx="0" cy="0"/>
+        </a:xfrm>
+      </p:grpSpPr>
+      <p:sp>
+        <p:nvSpPr>
+          <p:cNvPr id="2" name="Title 1"/>
+          <p:cNvSpPr>
+            <a:spLocks noGrp="1"/>
+          </p:cNvSpPr>
+          <p:nvPr>
+            <p:ph type="title"/>
+          </p:nvPr>
+        </p:nvSpPr>
+        <p:spPr/>
+        <p:txBody>
+          <a:bodyPr>
+            <a:normAutofit/>
+          </a:bodyPr>
+          <a:lstStyle/>
+          <a:p>
+            <a:r>
+              <a:rPr lang="pt-PT" sz="2000" b="1" dirty="0" smtClean="0"/>
+              <a:t>Cadastro </a:t>
+            </a:r>
+            <a:r>
+              <a:rPr lang="pt-PT" sz="2000" b="1" dirty="0"/>
+              <a:t>do </a:t>
+            </a:r>
+            <a:r>
+              <a:rPr lang="pt-PT" sz="2000" b="1" dirty="0" smtClean="0"/>
+              <a:t>Estudante</a:t>
+            </a:r>
+            <a:br>
+              <a:rPr lang="pt-PT" sz="2000" b="1" dirty="0" smtClean="0"/>
+            </a:br>
+            <a:r>
+              <a:rPr lang="en-US" sz="2000" b="1" dirty="0"/>
+              <a:t/>
+            </a:r>
+            <a:br>
+              <a:rPr lang="en-US" sz="2000" b="1" dirty="0"/>
+            </a:br>
+            <a:r>
+              <a:rPr lang="pt-PT" sz="1600" dirty="0"/>
+              <a:t>Essa interface possibilita ao funcionário cadastrar os estudantes, e no final na operação podendo cancelar ou confirmar o cadastro. </a:t>
+            </a:r>
+            <a:endParaRPr lang="en-US" sz="1200" dirty="0"/>
+          </a:p>
+        </p:txBody>
+      </p:sp>
+      <p:sp>
+        <p:nvSpPr>
+          <p:cNvPr id="4" name="Slide Number Placeholder 3"/>
+          <p:cNvSpPr>
+            <a:spLocks noGrp="1"/>
+          </p:cNvSpPr>
+          <p:nvPr>
+            <p:ph type="sldNum" sz="quarter" idx="12"/>
+          </p:nvPr>
+        </p:nvSpPr>
+        <p:spPr/>
+        <p:txBody>
+          <a:bodyPr/>
+          <a:lstStyle/>
+          <a:p>
+            <a:fld id="{62F918C2-80A9-4A77-A563-55CC62ECF21D}" type="slidenum">
+              <a:rPr lang="pt-PT" smtClean="0"/>
+              <a:t>21</a:t>
+            </a:fld>
+            <a:endParaRPr lang="pt-PT"/>
+          </a:p>
+        </p:txBody>
+      </p:sp>
+      <p:pic>
+        <p:nvPicPr>
+          <p:cNvPr id="5" name="Picture 4"/>
+          <p:cNvPicPr>
+            <a:picLocks noChangeAspect="1"/>
+          </p:cNvPicPr>
+          <p:nvPr/>
+        </p:nvPicPr>
+        <p:blipFill>
+          <a:blip r:embed="rId2">
+            <a:extLst>
+              <a:ext uri="{28A0092B-C50C-407E-A947-70E740481C1C}">
+                <a14:useLocalDpi xmlns:a14="http://schemas.microsoft.com/office/drawing/2010/main" val="0"/>
+              </a:ext>
+            </a:extLst>
+          </a:blip>
+          <a:stretch>
+            <a:fillRect/>
+          </a:stretch>
+        </p:blipFill>
+        <p:spPr>
+          <a:xfrm>
+            <a:off x="913774" y="2214694"/>
+            <a:ext cx="10364452" cy="4342804"/>
+          </a:xfrm>
+          <a:prstGeom prst="rect">
+            <a:avLst/>
+          </a:prstGeom>
+        </p:spPr>
+      </p:pic>
+    </p:spTree>
+    <p:extLst>
+      <p:ext uri="{BB962C8B-B14F-4D97-AF65-F5344CB8AC3E}">
+        <p14:creationId xmlns:p14="http://schemas.microsoft.com/office/powerpoint/2010/main" val="1624515437"/>
+      </p:ext>
+    </p:extLst>
+  </p:cSld>
+  <p:clrMapOvr>
+    <a:masterClrMapping/>
+  </p:clrMapOvr>
+</p:sld>
+</file>
+
+<file path=ppt/slides/slide22.xml><?xml version="1.0" encoding="utf-8"?>
+<p:sld xmlns:a="http://schemas.openxmlformats.org/drawingml/2006/main" xmlns:r="http://schemas.openxmlformats.org/officeDocument/2006/relationships" xmlns:p="http://schemas.openxmlformats.org/presentationml/2006/main">
+  <p:cSld>
+    <p:spTree>
+      <p:nvGrpSpPr>
+        <p:cNvPr id="1" name=""/>
+        <p:cNvGrpSpPr/>
+        <p:nvPr/>
+      </p:nvGrpSpPr>
+      <p:grpSpPr>
+        <a:xfrm>
+          <a:off x="0" y="0"/>
+          <a:ext cx="0" cy="0"/>
+          <a:chOff x="0" y="0"/>
+          <a:chExt cx="0" cy="0"/>
+        </a:xfrm>
+      </p:grpSpPr>
+      <p:sp>
+        <p:nvSpPr>
+          <p:cNvPr id="2" name="Title 1"/>
+          <p:cNvSpPr>
+            <a:spLocks noGrp="1"/>
+          </p:cNvSpPr>
+          <p:nvPr>
+            <p:ph type="title"/>
+          </p:nvPr>
+        </p:nvSpPr>
+        <p:spPr/>
+        <p:txBody>
+          <a:bodyPr/>
+          <a:lstStyle/>
+          <a:p>
+            <a:pPr lvl="1" algn="ctr" rtl="0">
+              <a:lnSpc>
+                <a:spcPct val="90000"/>
+              </a:lnSpc>
+              <a:spcBef>
+                <a:spcPct val="0"/>
+              </a:spcBef>
+            </a:pPr>
+            <a:r>
+              <a:rPr lang="pt-PT" sz="2000" b="1" dirty="0"/>
+              <a:t>Cadastro do </a:t>
+            </a:r>
+            <a:r>
+              <a:rPr lang="pt-PT" sz="2000" b="1" dirty="0" smtClean="0"/>
+              <a:t>Professor</a:t>
+            </a:r>
+            <a:r>
+              <a:rPr lang="pt-PT" b="1" dirty="0" smtClean="0"/>
+              <a:t/>
+            </a:r>
+            <a:br>
+              <a:rPr lang="pt-PT" b="1" dirty="0" smtClean="0"/>
+            </a:br>
+            <a:r>
+              <a:rPr lang="en-US" sz="2000" b="1" dirty="0"/>
+              <a:t/>
+            </a:r>
+            <a:br>
+              <a:rPr lang="en-US" sz="2000" b="1" dirty="0"/>
+            </a:br>
+            <a:r>
+              <a:rPr lang="pt-PT" dirty="0"/>
+              <a:t>Essa interface possibilita ao funcionário cadastrar os professores, e no final na operação podendo cancelar ou confirmar o cadastro. </a:t>
+            </a:r>
+            <a:r>
+              <a:rPr lang="en-US" dirty="0"/>
+              <a:t/>
+            </a:r>
+            <a:br>
+              <a:rPr lang="en-US" dirty="0"/>
+            </a:br>
+            <a:endParaRPr lang="en-US" dirty="0"/>
+          </a:p>
+        </p:txBody>
+      </p:sp>
+      <p:sp>
+        <p:nvSpPr>
+          <p:cNvPr id="4" name="Slide Number Placeholder 3"/>
+          <p:cNvSpPr>
+            <a:spLocks noGrp="1"/>
+          </p:cNvSpPr>
+          <p:nvPr>
+            <p:ph type="sldNum" sz="quarter" idx="12"/>
+          </p:nvPr>
+        </p:nvSpPr>
+        <p:spPr/>
+        <p:txBody>
+          <a:bodyPr/>
+          <a:lstStyle/>
+          <a:p>
+            <a:fld id="{62F918C2-80A9-4A77-A563-55CC62ECF21D}" type="slidenum">
+              <a:rPr lang="pt-PT" smtClean="0"/>
+              <a:t>22</a:t>
+            </a:fld>
+            <a:endParaRPr lang="pt-PT"/>
+          </a:p>
+        </p:txBody>
+      </p:sp>
+      <p:pic>
+        <p:nvPicPr>
+          <p:cNvPr id="5" name="Picture 4"/>
+          <p:cNvPicPr>
+            <a:picLocks noChangeAspect="1"/>
+          </p:cNvPicPr>
+          <p:nvPr/>
+        </p:nvPicPr>
+        <p:blipFill>
+          <a:blip r:embed="rId2">
+            <a:extLst>
+              <a:ext uri="{28A0092B-C50C-407E-A947-70E740481C1C}">
+                <a14:useLocalDpi xmlns:a14="http://schemas.microsoft.com/office/drawing/2010/main" val="0"/>
+              </a:ext>
+            </a:extLst>
+          </a:blip>
+          <a:stretch>
+            <a:fillRect/>
+          </a:stretch>
+        </p:blipFill>
+        <p:spPr>
+          <a:xfrm>
+            <a:off x="913774" y="2214693"/>
+            <a:ext cx="10364452" cy="4172203"/>
+          </a:xfrm>
+          <a:prstGeom prst="rect">
+            <a:avLst/>
+          </a:prstGeom>
+        </p:spPr>
+      </p:pic>
+    </p:spTree>
+    <p:extLst>
+      <p:ext uri="{BB962C8B-B14F-4D97-AF65-F5344CB8AC3E}">
+        <p14:creationId xmlns:p14="http://schemas.microsoft.com/office/powerpoint/2010/main" val="2018605669"/>
+      </p:ext>
+    </p:extLst>
+  </p:cSld>
+  <p:clrMapOvr>
+    <a:masterClrMapping/>
+  </p:clrMapOvr>
+</p:sld>
+</file>
+
+<file path=ppt/slides/slide23.xml><?xml version="1.0" encoding="utf-8"?>
+<p:sld xmlns:a="http://schemas.openxmlformats.org/drawingml/2006/main" xmlns:r="http://schemas.openxmlformats.org/officeDocument/2006/relationships" xmlns:p="http://schemas.openxmlformats.org/presentationml/2006/main">
+  <p:cSld>
+    <p:spTree>
+      <p:nvGrpSpPr>
+        <p:cNvPr id="1" name=""/>
+        <p:cNvGrpSpPr/>
+        <p:nvPr/>
+      </p:nvGrpSpPr>
+      <p:grpSpPr>
+        <a:xfrm>
+          <a:off x="0" y="0"/>
+          <a:ext cx="0" cy="0"/>
+          <a:chOff x="0" y="0"/>
+          <a:chExt cx="0" cy="0"/>
+        </a:xfrm>
+      </p:grpSpPr>
+      <p:sp>
+        <p:nvSpPr>
+          <p:cNvPr id="2" name="Title 1"/>
+          <p:cNvSpPr>
+            <a:spLocks noGrp="1"/>
+          </p:cNvSpPr>
+          <p:nvPr>
+            <p:ph type="title"/>
+          </p:nvPr>
+        </p:nvSpPr>
+        <p:spPr/>
+        <p:txBody>
+          <a:bodyPr>
+            <a:normAutofit/>
+          </a:bodyPr>
+          <a:lstStyle/>
+          <a:p>
+            <a:r>
+              <a:rPr lang="pt-PT" sz="2000" b="1" dirty="0"/>
+              <a:t>Matricular </a:t>
+            </a:r>
+            <a:r>
+              <a:rPr lang="pt-PT" sz="2000" b="1" dirty="0" smtClean="0"/>
+              <a:t>aluno</a:t>
+            </a:r>
+            <a:br>
+              <a:rPr lang="pt-PT" sz="2000" b="1" dirty="0" smtClean="0"/>
+            </a:br>
+            <a:r>
+              <a:rPr lang="en-US" b="1" dirty="0"/>
+              <a:t/>
+            </a:r>
+            <a:br>
+              <a:rPr lang="en-US" b="1" dirty="0"/>
+            </a:br>
+            <a:r>
+              <a:rPr lang="pt-PT" sz="1400" dirty="0"/>
+              <a:t>Essa interface permite ao funcionário matricular novos estudante.</a:t>
+            </a:r>
+            <a:r>
+              <a:rPr lang="en-US" dirty="0"/>
+              <a:t/>
+            </a:r>
+            <a:br>
+              <a:rPr lang="en-US" dirty="0"/>
+            </a:br>
+            <a:endParaRPr lang="en-US" dirty="0"/>
+          </a:p>
+        </p:txBody>
+      </p:sp>
+      <p:sp>
+        <p:nvSpPr>
+          <p:cNvPr id="4" name="Slide Number Placeholder 3"/>
+          <p:cNvSpPr>
+            <a:spLocks noGrp="1"/>
+          </p:cNvSpPr>
+          <p:nvPr>
+            <p:ph type="sldNum" sz="quarter" idx="12"/>
+          </p:nvPr>
+        </p:nvSpPr>
+        <p:spPr/>
+        <p:txBody>
+          <a:bodyPr/>
+          <a:lstStyle/>
+          <a:p>
+            <a:fld id="{62F918C2-80A9-4A77-A563-55CC62ECF21D}" type="slidenum">
+              <a:rPr lang="pt-PT" smtClean="0"/>
+              <a:t>23</a:t>
+            </a:fld>
+            <a:endParaRPr lang="pt-PT"/>
+          </a:p>
+        </p:txBody>
+      </p:sp>
+      <p:sp>
+        <p:nvSpPr>
+          <p:cNvPr id="5" name="Rectangle 2"/>
+          <p:cNvSpPr>
+            <a:spLocks noChangeArrowheads="1"/>
+          </p:cNvSpPr>
+          <p:nvPr/>
+        </p:nvSpPr>
+        <p:spPr bwMode="auto">
+          <a:xfrm>
+            <a:off x="913774" y="2214694"/>
+            <a:ext cx="25512495" cy="0"/>
+          </a:xfrm>
+          <a:prstGeom prst="rect">
+            <a:avLst/>
+          </a:prstGeom>
+          <a:noFill/>
+          <a:ln>
+            <a:noFill/>
+          </a:ln>
+          <a:effectLst/>
+          <a:extLst>
+            <a:ext uri="{909E8E84-426E-40DD-AFC4-6F175D3DCCD1}">
+              <a14:hiddenFill xmlns:a14="http://schemas.microsoft.com/office/drawing/2010/main">
+                <a:solidFill>
+                  <a:schemeClr val="accent1"/>
+                </a:solidFill>
+              </a14:hiddenFill>
+            </a:ext>
+            <a:ext uri="{91240B29-F687-4F45-9708-019B960494DF}">
+              <a14:hiddenLine xmlns:a14="http://schemas.microsoft.com/office/drawing/2010/main" w="9525">
+                <a:solidFill>
+                  <a:schemeClr val="tx1"/>
+                </a:solidFill>
+                <a:miter lim="800000"/>
+                <a:headEnd/>
+                <a:tailEnd/>
+              </a14:hiddenLine>
+            </a:ext>
+            <a:ext uri="{AF507438-7753-43E0-B8FC-AC1667EBCBE1}">
+              <a14:hiddenEffects xmlns:a14="http://schemas.microsoft.com/office/drawing/2010/main">
+                <a:effectLst>
+                  <a:outerShdw blurRad="63500" dist="38099" dir="2700000" algn="ctr" rotWithShape="0">
+                    <a:schemeClr val="bg2">
+                      <a:alpha val="74998"/>
+                    </a:schemeClr>
+                  </a:outerShdw>
+                </a:effectLst>
+              </a14:hiddenEffects>
+            </a:ext>
+          </a:extLst>
+        </p:spPr>
+        <p:txBody>
+          <a:bodyPr vert="horz" wrap="square" lIns="91440" tIns="45720" rIns="91440" bIns="45720" numCol="1" anchor="ctr" anchorCtr="0" compatLnSpc="1">
+            <a:prstTxWarp prst="textNoShape">
+              <a:avLst/>
+            </a:prstTxWarp>
+            <a:spAutoFit/>
+          </a:bodyPr>
+          <a:lstStyle/>
+          <a:p>
+            <a:endParaRPr lang="en-US"/>
+          </a:p>
+        </p:txBody>
+      </p:sp>
+      <p:pic>
+        <p:nvPicPr>
+          <p:cNvPr id="8193" name="Imagem 6" descr="C:\Users\Belmira Muchanga\Desktop\Mockups\Mockups (Gestao Escolar)\Matricular.png"/>
+          <p:cNvPicPr>
+            <a:picLocks noChangeAspect="1" noChangeArrowheads="1"/>
+          </p:cNvPicPr>
+          <p:nvPr/>
+        </p:nvPicPr>
+        <p:blipFill>
+          <a:blip r:embed="rId2">
+            <a:extLst>
+              <a:ext uri="{28A0092B-C50C-407E-A947-70E740481C1C}">
+                <a14:useLocalDpi xmlns:a14="http://schemas.microsoft.com/office/drawing/2010/main" val="0"/>
+              </a:ext>
+            </a:extLst>
+          </a:blip>
+          <a:srcRect l="8000" t="23885" r="27127" b="5981"/>
+          <a:stretch>
+            <a:fillRect/>
+          </a:stretch>
+        </p:blipFill>
+        <p:spPr bwMode="auto">
+          <a:xfrm>
+            <a:off x="913774" y="2214694"/>
+            <a:ext cx="10364451" cy="4201096"/>
+          </a:xfrm>
+          <a:prstGeom prst="rect">
+            <a:avLst/>
+          </a:prstGeom>
+          <a:noFill/>
+          <a:extLst>
+            <a:ext uri="{909E8E84-426E-40DD-AFC4-6F175D3DCCD1}">
+              <a14:hiddenFill xmlns:a14="http://schemas.microsoft.com/office/drawing/2010/main">
+                <a:solidFill>
+                  <a:srgbClr val="FFFFFF"/>
+                </a:solidFill>
+              </a14:hiddenFill>
+            </a:ext>
+          </a:extLst>
+        </p:spPr>
+      </p:pic>
+    </p:spTree>
+    <p:extLst>
+      <p:ext uri="{BB962C8B-B14F-4D97-AF65-F5344CB8AC3E}">
+        <p14:creationId xmlns:p14="http://schemas.microsoft.com/office/powerpoint/2010/main" val="293679496"/>
+      </p:ext>
+    </p:extLst>
+  </p:cSld>
+  <p:clrMapOvr>
+    <a:masterClrMapping/>
+  </p:clrMapOvr>
+</p:sld>
+</file>
+
+<file path=ppt/slides/slide24.xml><?xml version="1.0" encoding="utf-8"?>
+<p:sld xmlns:a="http://schemas.openxmlformats.org/drawingml/2006/main" xmlns:r="http://schemas.openxmlformats.org/officeDocument/2006/relationships" xmlns:p="http://schemas.openxmlformats.org/presentationml/2006/main">
+  <p:cSld>
+    <p:spTree>
+      <p:nvGrpSpPr>
+        <p:cNvPr id="1" name=""/>
+        <p:cNvGrpSpPr/>
+        <p:nvPr/>
+      </p:nvGrpSpPr>
+      <p:grpSpPr>
+        <a:xfrm>
+          <a:off x="0" y="0"/>
+          <a:ext cx="0" cy="0"/>
+          <a:chOff x="0" y="0"/>
+          <a:chExt cx="0" cy="0"/>
+        </a:xfrm>
+      </p:grpSpPr>
+      <p:sp>
+        <p:nvSpPr>
+          <p:cNvPr id="2" name="Title 1"/>
+          <p:cNvSpPr>
+            <a:spLocks noGrp="1"/>
+          </p:cNvSpPr>
+          <p:nvPr>
+            <p:ph type="title"/>
+          </p:nvPr>
+        </p:nvSpPr>
+        <p:spPr/>
+        <p:txBody>
+          <a:bodyPr/>
+          <a:lstStyle/>
+          <a:p>
+            <a:pPr lvl="1" algn="ctr" rtl="0">
+              <a:lnSpc>
+                <a:spcPct val="90000"/>
+              </a:lnSpc>
+              <a:spcBef>
+                <a:spcPct val="0"/>
+              </a:spcBef>
+            </a:pPr>
+            <a:r>
+              <a:rPr lang="pt-PT" sz="2000" b="1" dirty="0"/>
+              <a:t>Inscrever </a:t>
+            </a:r>
+            <a:r>
+              <a:rPr lang="pt-PT" sz="2000" b="1" dirty="0" smtClean="0"/>
+              <a:t>aluno</a:t>
+            </a:r>
+            <a:r>
+              <a:rPr lang="pt-PT" b="1" dirty="0" smtClean="0"/>
+              <a:t/>
+            </a:r>
+            <a:br>
+              <a:rPr lang="pt-PT" b="1" dirty="0" smtClean="0"/>
+            </a:br>
+            <a:r>
+              <a:rPr lang="en-US" sz="2000" b="1" dirty="0"/>
+              <a:t/>
+            </a:r>
+            <a:br>
+              <a:rPr lang="en-US" sz="2000" b="1" dirty="0"/>
+            </a:br>
+            <a:r>
+              <a:rPr lang="pt-PT" dirty="0"/>
+              <a:t>Essa interface permite ao funcionário inscrever estudante.</a:t>
+            </a:r>
+            <a:r>
+              <a:rPr lang="en-US" dirty="0"/>
+              <a:t/>
+            </a:r>
+            <a:br>
+              <a:rPr lang="en-US" dirty="0"/>
+            </a:br>
+            <a:endParaRPr lang="en-US" dirty="0"/>
+          </a:p>
+        </p:txBody>
+      </p:sp>
+      <p:sp>
+        <p:nvSpPr>
+          <p:cNvPr id="4" name="Slide Number Placeholder 3"/>
+          <p:cNvSpPr>
+            <a:spLocks noGrp="1"/>
+          </p:cNvSpPr>
+          <p:nvPr>
+            <p:ph type="sldNum" sz="quarter" idx="12"/>
+          </p:nvPr>
+        </p:nvSpPr>
+        <p:spPr/>
+        <p:txBody>
+          <a:bodyPr/>
+          <a:lstStyle/>
+          <a:p>
+            <a:fld id="{62F918C2-80A9-4A77-A563-55CC62ECF21D}" type="slidenum">
+              <a:rPr lang="pt-PT" smtClean="0"/>
+              <a:t>24</a:t>
+            </a:fld>
+            <a:endParaRPr lang="pt-PT"/>
+          </a:p>
+        </p:txBody>
+      </p:sp>
+      <p:sp>
+        <p:nvSpPr>
+          <p:cNvPr id="5" name="Rectangle 2"/>
+          <p:cNvSpPr>
+            <a:spLocks noChangeArrowheads="1"/>
+          </p:cNvSpPr>
+          <p:nvPr/>
+        </p:nvSpPr>
+        <p:spPr bwMode="auto">
+          <a:xfrm>
+            <a:off x="913774" y="2214694"/>
+            <a:ext cx="25317743" cy="0"/>
+          </a:xfrm>
+          <a:prstGeom prst="rect">
+            <a:avLst/>
+          </a:prstGeom>
+          <a:noFill/>
+          <a:ln>
+            <a:noFill/>
+          </a:ln>
+          <a:effectLst/>
+          <a:extLst>
+            <a:ext uri="{909E8E84-426E-40DD-AFC4-6F175D3DCCD1}">
+              <a14:hiddenFill xmlns:a14="http://schemas.microsoft.com/office/drawing/2010/main">
+                <a:solidFill>
+                  <a:schemeClr val="accent1"/>
+                </a:solidFill>
+              </a14:hiddenFill>
+            </a:ext>
+            <a:ext uri="{91240B29-F687-4F45-9708-019B960494DF}">
+              <a14:hiddenLine xmlns:a14="http://schemas.microsoft.com/office/drawing/2010/main" w="9525">
+                <a:solidFill>
+                  <a:schemeClr val="tx1"/>
+                </a:solidFill>
+                <a:miter lim="800000"/>
+                <a:headEnd/>
+                <a:tailEnd/>
+              </a14:hiddenLine>
+            </a:ext>
+            <a:ext uri="{AF507438-7753-43E0-B8FC-AC1667EBCBE1}">
+              <a14:hiddenEffects xmlns:a14="http://schemas.microsoft.com/office/drawing/2010/main">
+                <a:effectLst>
+                  <a:outerShdw blurRad="63500" dist="38099" dir="2700000" algn="ctr" rotWithShape="0">
+                    <a:schemeClr val="bg2">
+                      <a:alpha val="74998"/>
+                    </a:schemeClr>
+                  </a:outerShdw>
+                </a:effectLst>
+              </a14:hiddenEffects>
+            </a:ext>
+          </a:extLst>
+        </p:spPr>
+        <p:txBody>
+          <a:bodyPr vert="horz" wrap="square" lIns="91440" tIns="45720" rIns="91440" bIns="45720" numCol="1" anchor="ctr" anchorCtr="0" compatLnSpc="1">
+            <a:prstTxWarp prst="textNoShape">
+              <a:avLst/>
+            </a:prstTxWarp>
+            <a:spAutoFit/>
+          </a:bodyPr>
+          <a:lstStyle/>
+          <a:p>
+            <a:endParaRPr lang="en-US"/>
+          </a:p>
+        </p:txBody>
+      </p:sp>
+      <p:pic>
+        <p:nvPicPr>
+          <p:cNvPr id="9217" name="Imagem 7" descr="C:\Users\Belmira Muchanga\Desktop\Mockups\Mockups (Gestao Escolar)\Inscricao.png"/>
+          <p:cNvPicPr>
+            <a:picLocks noChangeAspect="1" noChangeArrowheads="1"/>
+          </p:cNvPicPr>
+          <p:nvPr/>
+        </p:nvPicPr>
+        <p:blipFill>
+          <a:blip r:embed="rId2">
+            <a:extLst>
+              <a:ext uri="{28A0092B-C50C-407E-A947-70E740481C1C}">
+                <a14:useLocalDpi xmlns:a14="http://schemas.microsoft.com/office/drawing/2010/main" val="0"/>
+              </a:ext>
+            </a:extLst>
+          </a:blip>
+          <a:srcRect l="8923" t="23885" r="27313" b="6677"/>
+          <a:stretch>
+            <a:fillRect/>
+          </a:stretch>
+        </p:blipFill>
+        <p:spPr bwMode="auto">
+          <a:xfrm>
+            <a:off x="913774" y="2214693"/>
+            <a:ext cx="10364451" cy="4261057"/>
+          </a:xfrm>
+          <a:prstGeom prst="rect">
+            <a:avLst/>
+          </a:prstGeom>
+          <a:noFill/>
+          <a:extLst>
+            <a:ext uri="{909E8E84-426E-40DD-AFC4-6F175D3DCCD1}">
+              <a14:hiddenFill xmlns:a14="http://schemas.microsoft.com/office/drawing/2010/main">
+                <a:solidFill>
+                  <a:srgbClr val="FFFFFF"/>
+                </a:solidFill>
+              </a14:hiddenFill>
+            </a:ext>
+          </a:extLst>
+        </p:spPr>
+      </p:pic>
+    </p:spTree>
+    <p:extLst>
+      <p:ext uri="{BB962C8B-B14F-4D97-AF65-F5344CB8AC3E}">
+        <p14:creationId xmlns:p14="http://schemas.microsoft.com/office/powerpoint/2010/main" val="85351884"/>
+      </p:ext>
+    </p:extLst>
+  </p:cSld>
+  <p:clrMapOvr>
+    <a:masterClrMapping/>
+  </p:clrMapOvr>
+</p:sld>
+</file>
+
+<file path=ppt/slides/slide25.xml><?xml version="1.0" encoding="utf-8"?>
+<p:sld xmlns:a="http://schemas.openxmlformats.org/drawingml/2006/main" xmlns:r="http://schemas.openxmlformats.org/officeDocument/2006/relationships" xmlns:p="http://schemas.openxmlformats.org/presentationml/2006/main">
+  <p:cSld>
+    <p:spTree>
+      <p:nvGrpSpPr>
+        <p:cNvPr id="1" name=""/>
+        <p:cNvGrpSpPr/>
+        <p:nvPr/>
+      </p:nvGrpSpPr>
+      <p:grpSpPr>
+        <a:xfrm>
+          <a:off x="0" y="0"/>
+          <a:ext cx="0" cy="0"/>
+          <a:chOff x="0" y="0"/>
+          <a:chExt cx="0" cy="0"/>
+        </a:xfrm>
+      </p:grpSpPr>
+      <p:sp>
+        <p:nvSpPr>
+          <p:cNvPr id="4" name="Slide Number Placeholder 3"/>
+          <p:cNvSpPr>
+            <a:spLocks noGrp="1"/>
+          </p:cNvSpPr>
+          <p:nvPr>
+            <p:ph type="sldNum" sz="quarter" idx="12"/>
+          </p:nvPr>
+        </p:nvSpPr>
+        <p:spPr/>
+        <p:txBody>
+          <a:bodyPr/>
+          <a:lstStyle/>
+          <a:p>
+            <a:fld id="{62F918C2-80A9-4A77-A563-55CC62ECF21D}" type="slidenum">
+              <a:rPr lang="pt-PT" smtClean="0"/>
+              <a:t>25</a:t>
             </a:fld>
             <a:endParaRPr lang="pt-PT"/>
           </a:p>
@@ -17451,114 +19055,6 @@
 </p:sld>
 </file>
 
-<file path=ppt/slides/slide2.xml><?xml version="1.0" encoding="utf-8"?>
-<p:sld xmlns:a="http://schemas.openxmlformats.org/drawingml/2006/main" xmlns:r="http://schemas.openxmlformats.org/officeDocument/2006/relationships" xmlns:p="http://schemas.openxmlformats.org/presentationml/2006/main">
-  <p:cSld>
-    <p:spTree>
-      <p:nvGrpSpPr>
-        <p:cNvPr id="1" name=""/>
-        <p:cNvGrpSpPr/>
-        <p:nvPr/>
-      </p:nvGrpSpPr>
-      <p:grpSpPr>
-        <a:xfrm>
-          <a:off x="0" y="0"/>
-          <a:ext cx="0" cy="0"/>
-          <a:chOff x="0" y="0"/>
-          <a:chExt cx="0" cy="0"/>
-        </a:xfrm>
-      </p:grpSpPr>
-      <p:sp>
-        <p:nvSpPr>
-          <p:cNvPr id="2" name="Title 1"/>
-          <p:cNvSpPr>
-            <a:spLocks noGrp="1"/>
-          </p:cNvSpPr>
-          <p:nvPr>
-            <p:ph type="title"/>
-          </p:nvPr>
-        </p:nvSpPr>
-        <p:spPr/>
-        <p:txBody>
-          <a:bodyPr/>
-          <a:lstStyle/>
-          <a:p>
-            <a:r>
-              <a:rPr lang="en-US" dirty="0" smtClean="0"/>
-              <a:t>Agenda</a:t>
-            </a:r>
-            <a:endParaRPr lang="pt-PT" dirty="0"/>
-          </a:p>
-        </p:txBody>
-      </p:sp>
-      <p:graphicFrame>
-        <p:nvGraphicFramePr>
-          <p:cNvPr id="4" name="Content Placeholder 3"/>
-          <p:cNvGraphicFramePr>
-            <a:graphicFrameLocks noGrp="1"/>
-          </p:cNvGraphicFramePr>
-          <p:nvPr>
-            <p:ph sz="quarter" idx="13"/>
-            <p:extLst>
-              <p:ext uri="{D42A27DB-BD31-4B8C-83A1-F6EECF244321}">
-                <p14:modId xmlns:p14="http://schemas.microsoft.com/office/powerpoint/2010/main" val="39640471"/>
-              </p:ext>
-            </p:extLst>
-          </p:nvPr>
-        </p:nvGraphicFramePr>
-        <p:xfrm>
-          <a:off x="913775" y="2108266"/>
-          <a:ext cx="8596312" cy="3881437"/>
-        </p:xfrm>
-        <a:graphic>
-          <a:graphicData uri="http://schemas.openxmlformats.org/drawingml/2006/diagram">
-            <dgm:relIds xmlns:dgm="http://schemas.openxmlformats.org/drawingml/2006/diagram" xmlns:r="http://schemas.openxmlformats.org/officeDocument/2006/relationships" r:dm="rId2" r:lo="rId3" r:qs="rId4" r:cs="rId5"/>
-          </a:graphicData>
-        </a:graphic>
-      </p:graphicFrame>
-      <p:sp>
-        <p:nvSpPr>
-          <p:cNvPr id="3" name="Marcador de Posição do Número do Diapositivo 2"/>
-          <p:cNvSpPr>
-            <a:spLocks noGrp="1"/>
-          </p:cNvSpPr>
-          <p:nvPr>
-            <p:ph type="sldNum" sz="quarter" idx="12"/>
-          </p:nvPr>
-        </p:nvSpPr>
-        <p:spPr/>
-        <p:txBody>
-          <a:bodyPr/>
-          <a:lstStyle/>
-          <a:p>
-            <a:fld id="{62F918C2-80A9-4A77-A563-55CC62ECF21D}" type="slidenum">
-              <a:rPr lang="pt-PT" smtClean="0"/>
-              <a:t>2</a:t>
-            </a:fld>
-            <a:endParaRPr lang="pt-PT"/>
-          </a:p>
-        </p:txBody>
-      </p:sp>
-    </p:spTree>
-    <p:extLst>
-      <p:ext uri="{BB962C8B-B14F-4D97-AF65-F5344CB8AC3E}">
-        <p14:creationId xmlns:p14="http://schemas.microsoft.com/office/powerpoint/2010/main" val="1596957041"/>
-      </p:ext>
-    </p:extLst>
-  </p:cSld>
-  <p:clrMapOvr>
-    <a:masterClrMapping/>
-  </p:clrMapOvr>
-  <p:timing>
-    <p:tnLst>
-      <p:par>
-        <p:cTn id="1" dur="indefinite" restart="never" nodeType="tmRoot"/>
-      </p:par>
-    </p:tnLst>
-  </p:timing>
-</p:sld>
-</file>
-
 <file path=ppt/slides/slide3.xml><?xml version="1.0" encoding="utf-8"?>
 <p:sld xmlns:a="http://schemas.openxmlformats.org/drawingml/2006/main" xmlns:r="http://schemas.openxmlformats.org/officeDocument/2006/relationships" xmlns:p="http://schemas.openxmlformats.org/presentationml/2006/main">
   <p:cSld>
@@ -17642,18 +19138,14 @@
             </a:r>
             <a:r>
               <a:rPr lang="pt-BR" dirty="0"/>
-              <a:t>com o objectivo de melhorar a realização de actividades rotineiras do sector da secretaria das escolas. O sistema será composto por uma aplicação </a:t>
-            </a:r>
-            <a:r>
-              <a:rPr lang="pt-BR"/>
-              <a:t>com </a:t>
-            </a:r>
-            <a:r>
-              <a:rPr lang="pt-BR" smtClean="0"/>
+              <a:t>com o objectivo de melhorar a realização de actividades rotineiras do sector da secretaria das escolas. O sistema será composto por uma aplicação com </a:t>
+            </a:r>
+            <a:r>
+              <a:rPr lang="pt-BR" dirty="0" smtClean="0"/>
               <a:t>interface</a:t>
             </a:r>
             <a:r>
-              <a:rPr lang="pt-BR" i="1" smtClean="0"/>
+              <a:rPr lang="pt-BR" i="1" dirty="0" smtClean="0"/>
               <a:t> </a:t>
             </a:r>
             <a:r>

--- a/Documentos/7. Apresentacao/7. Apresetacao.pptx
+++ b/Documentos/7. Apresentacao/7. Apresetacao.pptx
@@ -5,7 +5,7 @@
     <p:sldMasterId id="2147483795" r:id="rId1"/>
   </p:sldMasterIdLst>
   <p:notesMasterIdLst>
-    <p:notesMasterId r:id="rId27"/>
+    <p:notesMasterId r:id="rId18"/>
   </p:notesMasterIdLst>
   <p:sldIdLst>
     <p:sldId id="271" r:id="rId2"/>
@@ -23,16 +23,7 @@
     <p:sldId id="265" r:id="rId14"/>
     <p:sldId id="269" r:id="rId15"/>
     <p:sldId id="270" r:id="rId16"/>
-    <p:sldId id="273" r:id="rId17"/>
-    <p:sldId id="274" r:id="rId18"/>
-    <p:sldId id="275" r:id="rId19"/>
-    <p:sldId id="276" r:id="rId20"/>
-    <p:sldId id="277" r:id="rId21"/>
-    <p:sldId id="278" r:id="rId22"/>
-    <p:sldId id="279" r:id="rId23"/>
-    <p:sldId id="280" r:id="rId24"/>
-    <p:sldId id="281" r:id="rId25"/>
-    <p:sldId id="272" r:id="rId26"/>
+    <p:sldId id="272" r:id="rId17"/>
   </p:sldIdLst>
   <p:sldSz cx="12192000" cy="6858000"/>
   <p:notesSz cx="6858000" cy="9144000"/>
@@ -151,15 +142,6 @@
             <p14:sldId id="265"/>
             <p14:sldId id="269"/>
             <p14:sldId id="270"/>
-            <p14:sldId id="273"/>
-            <p14:sldId id="274"/>
-            <p14:sldId id="275"/>
-            <p14:sldId id="276"/>
-            <p14:sldId id="277"/>
-            <p14:sldId id="278"/>
-            <p14:sldId id="279"/>
-            <p14:sldId id="280"/>
-            <p14:sldId id="281"/>
             <p14:sldId id="272"/>
           </p14:sldIdLst>
         </p14:section>
@@ -7125,7 +7107,7 @@
           <a:p>
             <a:fld id="{D97F559E-DC1E-4242-95C1-A101FFB528C8}" type="datetimeFigureOut">
               <a:rPr lang="pt-PT" smtClean="0"/>
-              <a:t>05/06/19</a:t>
+              <a:t>07/06/19</a:t>
             </a:fld>
             <a:endParaRPr lang="pt-PT"/>
           </a:p>
@@ -7648,7 +7630,7 @@
           <a:p>
             <a:fld id="{D0E21FCC-B95B-48A9-8F8F-A2272F491043}" type="datetime1">
               <a:rPr lang="pt-PT" smtClean="0"/>
-              <a:t>05/06/19</a:t>
+              <a:t>07/06/19</a:t>
             </a:fld>
             <a:endParaRPr lang="pt-PT"/>
           </a:p>
@@ -7961,7 +7943,7 @@
           <a:p>
             <a:fld id="{D0E21FCC-B95B-48A9-8F8F-A2272F491043}" type="datetime1">
               <a:rPr lang="pt-PT" smtClean="0"/>
-              <a:t>05/06/19</a:t>
+              <a:t>07/06/19</a:t>
             </a:fld>
             <a:endParaRPr lang="pt-PT"/>
           </a:p>
@@ -8184,7 +8166,7 @@
           <a:p>
             <a:fld id="{D0E21FCC-B95B-48A9-8F8F-A2272F491043}" type="datetime1">
               <a:rPr lang="pt-PT" smtClean="0"/>
-              <a:t>05/06/19</a:t>
+              <a:t>07/06/19</a:t>
             </a:fld>
             <a:endParaRPr lang="pt-PT"/>
           </a:p>
@@ -8476,7 +8458,7 @@
           <a:p>
             <a:fld id="{D0E21FCC-B95B-48A9-8F8F-A2272F491043}" type="datetime1">
               <a:rPr lang="pt-PT" smtClean="0"/>
-              <a:t>05/06/19</a:t>
+              <a:t>07/06/19</a:t>
             </a:fld>
             <a:endParaRPr lang="pt-PT"/>
           </a:p>
@@ -8931,7 +8913,7 @@
           <a:p>
             <a:fld id="{D0E21FCC-B95B-48A9-8F8F-A2272F491043}" type="datetime1">
               <a:rPr lang="pt-PT" smtClean="0"/>
-              <a:t>05/06/19</a:t>
+              <a:t>07/06/19</a:t>
             </a:fld>
             <a:endParaRPr lang="pt-PT"/>
           </a:p>
@@ -9508,7 +9490,7 @@
           <a:p>
             <a:fld id="{D0E21FCC-B95B-48A9-8F8F-A2272F491043}" type="datetime1">
               <a:rPr lang="pt-PT" smtClean="0"/>
-              <a:t>05/06/19</a:t>
+              <a:t>07/06/19</a:t>
             </a:fld>
             <a:endParaRPr lang="pt-PT"/>
           </a:p>
@@ -10361,7 +10343,7 @@
           <a:p>
             <a:fld id="{D0E21FCC-B95B-48A9-8F8F-A2272F491043}" type="datetime1">
               <a:rPr lang="pt-PT" smtClean="0"/>
-              <a:t>05/06/19</a:t>
+              <a:t>07/06/19</a:t>
             </a:fld>
             <a:endParaRPr lang="pt-PT"/>
           </a:p>
@@ -10567,7 +10549,7 @@
           <a:p>
             <a:fld id="{D0E21FCC-B95B-48A9-8F8F-A2272F491043}" type="datetime1">
               <a:rPr lang="pt-PT" smtClean="0"/>
-              <a:t>05/06/19</a:t>
+              <a:t>07/06/19</a:t>
             </a:fld>
             <a:endParaRPr lang="pt-PT"/>
           </a:p>
@@ -10782,7 +10764,7 @@
           <a:p>
             <a:fld id="{D0E21FCC-B95B-48A9-8F8F-A2272F491043}" type="datetime1">
               <a:rPr lang="pt-PT" smtClean="0"/>
-              <a:t>05/06/19</a:t>
+              <a:t>07/06/19</a:t>
             </a:fld>
             <a:endParaRPr lang="pt-PT"/>
           </a:p>
@@ -10988,7 +10970,7 @@
           <a:p>
             <a:fld id="{D0E21FCC-B95B-48A9-8F8F-A2272F491043}" type="datetime1">
               <a:rPr lang="pt-PT" smtClean="0"/>
-              <a:t>05/06/19</a:t>
+              <a:t>07/06/19</a:t>
             </a:fld>
             <a:endParaRPr lang="pt-PT"/>
           </a:p>
@@ -11269,7 +11251,7 @@
           <a:p>
             <a:fld id="{D0E21FCC-B95B-48A9-8F8F-A2272F491043}" type="datetime1">
               <a:rPr lang="pt-PT" smtClean="0"/>
-              <a:t>05/06/19</a:t>
+              <a:t>07/06/19</a:t>
             </a:fld>
             <a:endParaRPr lang="pt-PT"/>
           </a:p>
@@ -11537,7 +11519,7 @@
           <a:p>
             <a:fld id="{D0E21FCC-B95B-48A9-8F8F-A2272F491043}" type="datetime1">
               <a:rPr lang="pt-PT" smtClean="0"/>
-              <a:t>05/06/19</a:t>
+              <a:t>07/06/19</a:t>
             </a:fld>
             <a:endParaRPr lang="pt-PT"/>
           </a:p>
@@ -11953,7 +11935,7 @@
           <a:p>
             <a:fld id="{D0E21FCC-B95B-48A9-8F8F-A2272F491043}" type="datetime1">
               <a:rPr lang="pt-PT" smtClean="0"/>
-              <a:t>05/06/19</a:t>
+              <a:t>07/06/19</a:t>
             </a:fld>
             <a:endParaRPr lang="pt-PT"/>
           </a:p>
@@ -12102,7 +12084,7 @@
           <a:p>
             <a:fld id="{D0E21FCC-B95B-48A9-8F8F-A2272F491043}" type="datetime1">
               <a:rPr lang="pt-PT" smtClean="0"/>
-              <a:t>05/06/19</a:t>
+              <a:t>07/06/19</a:t>
             </a:fld>
             <a:endParaRPr lang="pt-PT"/>
           </a:p>
@@ -12228,7 +12210,7 @@
           <a:p>
             <a:fld id="{D0E21FCC-B95B-48A9-8F8F-A2272F491043}" type="datetime1">
               <a:rPr lang="pt-PT" smtClean="0"/>
-              <a:t>05/06/19</a:t>
+              <a:t>07/06/19</a:t>
             </a:fld>
             <a:endParaRPr lang="pt-PT"/>
           </a:p>
@@ -12508,7 +12490,7 @@
           <a:p>
             <a:fld id="{D0E21FCC-B95B-48A9-8F8F-A2272F491043}" type="datetime1">
               <a:rPr lang="pt-PT" smtClean="0"/>
-              <a:t>05/06/19</a:t>
+              <a:t>07/06/19</a:t>
             </a:fld>
             <a:endParaRPr lang="pt-PT"/>
           </a:p>
@@ -12821,7 +12803,7 @@
           <a:p>
             <a:fld id="{D0E21FCC-B95B-48A9-8F8F-A2272F491043}" type="datetime1">
               <a:rPr lang="pt-PT" smtClean="0"/>
-              <a:t>05/06/19</a:t>
+              <a:t>07/06/19</a:t>
             </a:fld>
             <a:endParaRPr lang="pt-PT"/>
           </a:p>
@@ -13080,7 +13062,7 @@
           <a:p>
             <a:fld id="{D0E21FCC-B95B-48A9-8F8F-A2272F491043}" type="datetime1">
               <a:rPr lang="pt-PT" smtClean="0"/>
-              <a:t>05/06/19</a:t>
+              <a:t>07/06/19</a:t>
             </a:fld>
             <a:endParaRPr lang="pt-PT"/>
           </a:p>
@@ -17326,44 +17308,6 @@
       </p:grpSpPr>
       <p:sp>
         <p:nvSpPr>
-          <p:cNvPr id="2" name="Title 1"/>
-          <p:cNvSpPr>
-            <a:spLocks noGrp="1"/>
-          </p:cNvSpPr>
-          <p:nvPr>
-            <p:ph type="title"/>
-          </p:nvPr>
-        </p:nvSpPr>
-        <p:spPr>
-          <a:xfrm>
-            <a:off x="531667" y="2147514"/>
-            <a:ext cx="10364451" cy="1596177"/>
-          </a:xfrm>
-        </p:spPr>
-        <p:txBody>
-          <a:bodyPr>
-            <a:normAutofit/>
-          </a:bodyPr>
-          <a:lstStyle/>
-          <a:p>
-            <a:r>
-              <a:rPr lang="en-US" sz="4800" dirty="0" smtClean="0"/>
-              <a:t>Interfaces </a:t>
-            </a:r>
-            <a:r>
-              <a:rPr lang="en-US" sz="4800" dirty="0" err="1" smtClean="0"/>
-              <a:t>Graficas</a:t>
-            </a:r>
-            <a:r>
-              <a:rPr lang="en-US" sz="4800" dirty="0" smtClean="0"/>
-              <a:t> </a:t>
-            </a:r>
-            <a:endParaRPr lang="en-US" sz="4800" dirty="0"/>
-          </a:p>
-        </p:txBody>
-      </p:sp>
-      <p:sp>
-        <p:nvSpPr>
           <p:cNvPr id="4" name="Slide Number Placeholder 3"/>
           <p:cNvSpPr>
             <a:spLocks noGrp="1"/>
@@ -17380,1554 +17324,6 @@
             <a:fld id="{62F918C2-80A9-4A77-A563-55CC62ECF21D}" type="slidenum">
               <a:rPr lang="pt-PT" smtClean="0"/>
               <a:t>16</a:t>
-            </a:fld>
-            <a:endParaRPr lang="pt-PT"/>
-          </a:p>
-        </p:txBody>
-      </p:sp>
-    </p:spTree>
-    <p:extLst>
-      <p:ext uri="{BB962C8B-B14F-4D97-AF65-F5344CB8AC3E}">
-        <p14:creationId xmlns:p14="http://schemas.microsoft.com/office/powerpoint/2010/main" val="988446874"/>
-      </p:ext>
-    </p:extLst>
-  </p:cSld>
-  <p:clrMapOvr>
-    <a:masterClrMapping/>
-  </p:clrMapOvr>
-</p:sld>
-</file>
-
-<file path=ppt/slides/slide17.xml><?xml version="1.0" encoding="utf-8"?>
-<p:sld xmlns:a="http://schemas.openxmlformats.org/drawingml/2006/main" xmlns:r="http://schemas.openxmlformats.org/officeDocument/2006/relationships" xmlns:p="http://schemas.openxmlformats.org/presentationml/2006/main">
-  <p:cSld>
-    <p:spTree>
-      <p:nvGrpSpPr>
-        <p:cNvPr id="1" name=""/>
-        <p:cNvGrpSpPr/>
-        <p:nvPr/>
-      </p:nvGrpSpPr>
-      <p:grpSpPr>
-        <a:xfrm>
-          <a:off x="0" y="0"/>
-          <a:ext cx="0" cy="0"/>
-          <a:chOff x="0" y="0"/>
-          <a:chExt cx="0" cy="0"/>
-        </a:xfrm>
-      </p:grpSpPr>
-      <p:sp>
-        <p:nvSpPr>
-          <p:cNvPr id="2" name="Title 1"/>
-          <p:cNvSpPr>
-            <a:spLocks noGrp="1"/>
-          </p:cNvSpPr>
-          <p:nvPr>
-            <p:ph type="title"/>
-          </p:nvPr>
-        </p:nvSpPr>
-        <p:spPr/>
-        <p:txBody>
-          <a:bodyPr>
-            <a:normAutofit fontScale="90000"/>
-          </a:bodyPr>
-          <a:lstStyle/>
-          <a:p>
-            <a:pPr lvl="1" algn="ctr" rtl="0">
-              <a:lnSpc>
-                <a:spcPct val="90000"/>
-              </a:lnSpc>
-              <a:spcBef>
-                <a:spcPct val="0"/>
-              </a:spcBef>
-            </a:pPr>
-            <a:r>
-              <a:rPr lang="pt-PT" sz="2200" b="1" dirty="0"/>
-              <a:t>Login do </a:t>
-            </a:r>
-            <a:r>
-              <a:rPr lang="pt-PT" sz="2200" b="1" dirty="0" smtClean="0"/>
-              <a:t>sistema</a:t>
-            </a:r>
-            <a:r>
-              <a:rPr lang="pt-PT" sz="4000" b="1" dirty="0" smtClean="0"/>
-              <a:t/>
-            </a:r>
-            <a:br>
-              <a:rPr lang="pt-PT" sz="4000" b="1" dirty="0" smtClean="0"/>
-            </a:br>
-            <a:r>
-              <a:rPr lang="pt-PT" sz="4000" b="1" dirty="0" smtClean="0"/>
-              <a:t/>
-            </a:r>
-            <a:br>
-              <a:rPr lang="pt-PT" sz="4000" b="1" dirty="0" smtClean="0"/>
-            </a:br>
-            <a:r>
-              <a:rPr lang="pt-PT" sz="2000" dirty="0"/>
-              <a:t>Esta </a:t>
-            </a:r>
-            <a:r>
-              <a:rPr lang="pt-PT" sz="2000" dirty="0" err="1"/>
-              <a:t>interfece</a:t>
-            </a:r>
-            <a:r>
-              <a:rPr lang="pt-PT" sz="2000" dirty="0"/>
-              <a:t> permite os usuários acederem ao sistema.</a:t>
-            </a:r>
-            <a:r>
-              <a:rPr lang="en-US" sz="2000" dirty="0"/>
-              <a:t/>
-            </a:r>
-            <a:br>
-              <a:rPr lang="en-US" sz="2000" dirty="0"/>
-            </a:br>
-            <a:r>
-              <a:rPr lang="en-US" sz="2000" b="1" dirty="0"/>
-              <a:t/>
-            </a:r>
-            <a:br>
-              <a:rPr lang="en-US" sz="2000" b="1" dirty="0"/>
-            </a:br>
-            <a:endParaRPr lang="en-US" dirty="0"/>
-          </a:p>
-        </p:txBody>
-      </p:sp>
-      <p:pic>
-        <p:nvPicPr>
-          <p:cNvPr id="5" name="Content Placeholder 4"/>
-          <p:cNvPicPr>
-            <a:picLocks noGrp="1" noChangeAspect="1"/>
-          </p:cNvPicPr>
-          <p:nvPr>
-            <p:ph sz="quarter" idx="13"/>
-          </p:nvPr>
-        </p:nvPicPr>
-        <p:blipFill>
-          <a:blip r:embed="rId2">
-            <a:extLst>
-              <a:ext uri="{28A0092B-C50C-407E-A947-70E740481C1C}">
-                <a14:useLocalDpi xmlns:a14="http://schemas.microsoft.com/office/drawing/2010/main" val="0"/>
-              </a:ext>
-            </a:extLst>
-          </a:blip>
-          <a:stretch>
-            <a:fillRect/>
-          </a:stretch>
-        </p:blipFill>
-        <p:spPr>
-          <a:xfrm>
-            <a:off x="913774" y="2214693"/>
-            <a:ext cx="10364452" cy="4214695"/>
-          </a:xfrm>
-        </p:spPr>
-      </p:pic>
-      <p:sp>
-        <p:nvSpPr>
-          <p:cNvPr id="4" name="Slide Number Placeholder 3"/>
-          <p:cNvSpPr>
-            <a:spLocks noGrp="1"/>
-          </p:cNvSpPr>
-          <p:nvPr>
-            <p:ph type="sldNum" sz="quarter" idx="12"/>
-          </p:nvPr>
-        </p:nvSpPr>
-        <p:spPr/>
-        <p:txBody>
-          <a:bodyPr/>
-          <a:lstStyle/>
-          <a:p>
-            <a:fld id="{62F918C2-80A9-4A77-A563-55CC62ECF21D}" type="slidenum">
-              <a:rPr lang="pt-PT" smtClean="0"/>
-              <a:t>17</a:t>
-            </a:fld>
-            <a:endParaRPr lang="pt-PT"/>
-          </a:p>
-        </p:txBody>
-      </p:sp>
-    </p:spTree>
-    <p:extLst>
-      <p:ext uri="{BB962C8B-B14F-4D97-AF65-F5344CB8AC3E}">
-        <p14:creationId xmlns:p14="http://schemas.microsoft.com/office/powerpoint/2010/main" val="926320513"/>
-      </p:ext>
-    </p:extLst>
-  </p:cSld>
-  <p:clrMapOvr>
-    <a:masterClrMapping/>
-  </p:clrMapOvr>
-</p:sld>
-</file>
-
-<file path=ppt/slides/slide18.xml><?xml version="1.0" encoding="utf-8"?>
-<p:sld xmlns:a="http://schemas.openxmlformats.org/drawingml/2006/main" xmlns:r="http://schemas.openxmlformats.org/officeDocument/2006/relationships" xmlns:p="http://schemas.openxmlformats.org/presentationml/2006/main">
-  <p:cSld>
-    <p:spTree>
-      <p:nvGrpSpPr>
-        <p:cNvPr id="1" name=""/>
-        <p:cNvGrpSpPr/>
-        <p:nvPr/>
-      </p:nvGrpSpPr>
-      <p:grpSpPr>
-        <a:xfrm>
-          <a:off x="0" y="0"/>
-          <a:ext cx="0" cy="0"/>
-          <a:chOff x="0" y="0"/>
-          <a:chExt cx="0" cy="0"/>
-        </a:xfrm>
-      </p:grpSpPr>
-      <p:sp>
-        <p:nvSpPr>
-          <p:cNvPr id="2" name="Title 1"/>
-          <p:cNvSpPr>
-            <a:spLocks noGrp="1"/>
-          </p:cNvSpPr>
-          <p:nvPr>
-            <p:ph type="title"/>
-          </p:nvPr>
-        </p:nvSpPr>
-        <p:spPr/>
-        <p:txBody>
-          <a:bodyPr/>
-          <a:lstStyle/>
-          <a:p>
-            <a:pPr lvl="1" algn="ctr" rtl="0">
-              <a:lnSpc>
-                <a:spcPct val="90000"/>
-              </a:lnSpc>
-              <a:spcBef>
-                <a:spcPct val="0"/>
-              </a:spcBef>
-            </a:pPr>
-            <a:r>
-              <a:rPr lang="pt-PT" sz="2000" b="1" dirty="0"/>
-              <a:t>Menu dos </a:t>
-            </a:r>
-            <a:r>
-              <a:rPr lang="pt-PT" sz="2000" b="1" dirty="0" smtClean="0"/>
-              <a:t>Usuários</a:t>
-            </a:r>
-            <a:r>
-              <a:rPr lang="pt-PT" b="1" dirty="0" smtClean="0"/>
-              <a:t/>
-            </a:r>
-            <a:br>
-              <a:rPr lang="pt-PT" b="1" dirty="0" smtClean="0"/>
-            </a:br>
-            <a:r>
-              <a:rPr lang="en-US" sz="2000" b="1" dirty="0"/>
-              <a:t/>
-            </a:r>
-            <a:br>
-              <a:rPr lang="en-US" sz="2000" b="1" dirty="0"/>
-            </a:br>
-            <a:r>
-              <a:rPr lang="pt-PT" dirty="0"/>
-              <a:t>Essa interface ilustra o Menu Principal do sistema, no qual o funcionário assim como o professor tem a chance de entrar no sistema.</a:t>
-            </a:r>
-            <a:r>
-              <a:rPr lang="en-US" dirty="0"/>
-              <a:t/>
-            </a:r>
-            <a:br>
-              <a:rPr lang="en-US" dirty="0"/>
-            </a:br>
-            <a:endParaRPr lang="en-US" dirty="0"/>
-          </a:p>
-        </p:txBody>
-      </p:sp>
-      <p:sp>
-        <p:nvSpPr>
-          <p:cNvPr id="4" name="Slide Number Placeholder 3"/>
-          <p:cNvSpPr>
-            <a:spLocks noGrp="1"/>
-          </p:cNvSpPr>
-          <p:nvPr>
-            <p:ph type="sldNum" sz="quarter" idx="12"/>
-          </p:nvPr>
-        </p:nvSpPr>
-        <p:spPr/>
-        <p:txBody>
-          <a:bodyPr/>
-          <a:lstStyle/>
-          <a:p>
-            <a:fld id="{62F918C2-80A9-4A77-A563-55CC62ECF21D}" type="slidenum">
-              <a:rPr lang="pt-PT" smtClean="0"/>
-              <a:t>18</a:t>
-            </a:fld>
-            <a:endParaRPr lang="pt-PT"/>
-          </a:p>
-        </p:txBody>
-      </p:sp>
-      <p:sp>
-        <p:nvSpPr>
-          <p:cNvPr id="6" name="Rectangle 4"/>
-          <p:cNvSpPr>
-            <a:spLocks noChangeArrowheads="1"/>
-          </p:cNvSpPr>
-          <p:nvPr/>
-        </p:nvSpPr>
-        <p:spPr bwMode="auto">
-          <a:xfrm>
-            <a:off x="913774" y="2214693"/>
-            <a:ext cx="31093356" cy="45719"/>
-          </a:xfrm>
-          <a:prstGeom prst="rect">
-            <a:avLst/>
-          </a:prstGeom>
-          <a:noFill/>
-          <a:ln>
-            <a:noFill/>
-          </a:ln>
-          <a:effectLst/>
-          <a:extLst>
-            <a:ext uri="{909E8E84-426E-40DD-AFC4-6F175D3DCCD1}">
-              <a14:hiddenFill xmlns:a14="http://schemas.microsoft.com/office/drawing/2010/main">
-                <a:solidFill>
-                  <a:schemeClr val="accent1"/>
-                </a:solidFill>
-              </a14:hiddenFill>
-            </a:ext>
-            <a:ext uri="{91240B29-F687-4F45-9708-019B960494DF}">
-              <a14:hiddenLine xmlns:a14="http://schemas.microsoft.com/office/drawing/2010/main" w="9525">
-                <a:solidFill>
-                  <a:schemeClr val="tx1"/>
-                </a:solidFill>
-                <a:miter lim="800000"/>
-                <a:headEnd/>
-                <a:tailEnd/>
-              </a14:hiddenLine>
-            </a:ext>
-            <a:ext uri="{AF507438-7753-43E0-B8FC-AC1667EBCBE1}">
-              <a14:hiddenEffects xmlns:a14="http://schemas.microsoft.com/office/drawing/2010/main">
-                <a:effectLst>
-                  <a:outerShdw blurRad="63500" dist="38099" dir="2700000" algn="ctr" rotWithShape="0">
-                    <a:schemeClr val="bg2">
-                      <a:alpha val="74998"/>
-                    </a:schemeClr>
-                  </a:outerShdw>
-                </a:effectLst>
-              </a14:hiddenEffects>
-            </a:ext>
-          </a:extLst>
-        </p:spPr>
-        <p:txBody>
-          <a:bodyPr vert="horz" wrap="square" lIns="91440" tIns="45720" rIns="91440" bIns="45720" numCol="1" anchor="ctr" anchorCtr="0" compatLnSpc="1">
-            <a:prstTxWarp prst="textNoShape">
-              <a:avLst/>
-            </a:prstTxWarp>
-            <a:spAutoFit/>
-          </a:bodyPr>
-          <a:lstStyle/>
-          <a:p>
-            <a:endParaRPr lang="en-US"/>
-          </a:p>
-        </p:txBody>
-      </p:sp>
-      <p:pic>
-        <p:nvPicPr>
-          <p:cNvPr id="3075" name="Imagem 6" descr="C:\Users\Belmira Muchanga\Desktop\Mockups\Mockups (Gestao Escolar)\Menu Principal.png"/>
-          <p:cNvPicPr>
-            <a:picLocks noChangeAspect="1" noChangeArrowheads="1"/>
-          </p:cNvPicPr>
-          <p:nvPr/>
-        </p:nvPicPr>
-        <p:blipFill>
-          <a:blip r:embed="rId2">
-            <a:extLst>
-              <a:ext uri="{28A0092B-C50C-407E-A947-70E740481C1C}">
-                <a14:useLocalDpi xmlns:a14="http://schemas.microsoft.com/office/drawing/2010/main" val="0"/>
-              </a:ext>
-            </a:extLst>
-          </a:blip>
-          <a:srcRect l="8566" t="23567" r="27127" b="6052"/>
-          <a:stretch>
-            <a:fillRect/>
-          </a:stretch>
-        </p:blipFill>
-        <p:spPr bwMode="auto">
-          <a:xfrm>
-            <a:off x="913774" y="2214694"/>
-            <a:ext cx="10364452" cy="4321017"/>
-          </a:xfrm>
-          <a:prstGeom prst="rect">
-            <a:avLst/>
-          </a:prstGeom>
-          <a:noFill/>
-          <a:extLst>
-            <a:ext uri="{909E8E84-426E-40DD-AFC4-6F175D3DCCD1}">
-              <a14:hiddenFill xmlns:a14="http://schemas.microsoft.com/office/drawing/2010/main">
-                <a:solidFill>
-                  <a:srgbClr val="FFFFFF"/>
-                </a:solidFill>
-              </a14:hiddenFill>
-            </a:ext>
-          </a:extLst>
-        </p:spPr>
-      </p:pic>
-    </p:spTree>
-    <p:extLst>
-      <p:ext uri="{BB962C8B-B14F-4D97-AF65-F5344CB8AC3E}">
-        <p14:creationId xmlns:p14="http://schemas.microsoft.com/office/powerpoint/2010/main" val="64554605"/>
-      </p:ext>
-    </p:extLst>
-  </p:cSld>
-  <p:clrMapOvr>
-    <a:masterClrMapping/>
-  </p:clrMapOvr>
-</p:sld>
-</file>
-
-<file path=ppt/slides/slide19.xml><?xml version="1.0" encoding="utf-8"?>
-<p:sld xmlns:a="http://schemas.openxmlformats.org/drawingml/2006/main" xmlns:r="http://schemas.openxmlformats.org/officeDocument/2006/relationships" xmlns:p="http://schemas.openxmlformats.org/presentationml/2006/main">
-  <p:cSld>
-    <p:spTree>
-      <p:nvGrpSpPr>
-        <p:cNvPr id="1" name=""/>
-        <p:cNvGrpSpPr/>
-        <p:nvPr/>
-      </p:nvGrpSpPr>
-      <p:grpSpPr>
-        <a:xfrm>
-          <a:off x="0" y="0"/>
-          <a:ext cx="0" cy="0"/>
-          <a:chOff x="0" y="0"/>
-          <a:chExt cx="0" cy="0"/>
-        </a:xfrm>
-      </p:grpSpPr>
-      <p:sp>
-        <p:nvSpPr>
-          <p:cNvPr id="2" name="Title 1"/>
-          <p:cNvSpPr>
-            <a:spLocks noGrp="1"/>
-          </p:cNvSpPr>
-          <p:nvPr>
-            <p:ph type="title"/>
-          </p:nvPr>
-        </p:nvSpPr>
-        <p:spPr/>
-        <p:txBody>
-          <a:bodyPr>
-            <a:normAutofit fontScale="90000"/>
-          </a:bodyPr>
-          <a:lstStyle/>
-          <a:p>
-            <a:pPr lvl="1" algn="ctr" rtl="0">
-              <a:lnSpc>
-                <a:spcPct val="90000"/>
-              </a:lnSpc>
-              <a:spcBef>
-                <a:spcPct val="0"/>
-              </a:spcBef>
-            </a:pPr>
-            <a:r>
-              <a:rPr lang="pt-PT" sz="2200" b="1" dirty="0" smtClean="0"/>
-              <a:t>Menu </a:t>
-            </a:r>
-            <a:r>
-              <a:rPr lang="pt-PT" sz="2200" b="1" dirty="0"/>
-              <a:t>do </a:t>
-            </a:r>
-            <a:r>
-              <a:rPr lang="pt-PT" sz="2200" b="1" dirty="0" err="1" smtClean="0"/>
-              <a:t>Funcionario</a:t>
-            </a:r>
-            <a:r>
-              <a:rPr lang="pt-PT" b="1" dirty="0" smtClean="0"/>
-              <a:t/>
-            </a:r>
-            <a:br>
-              <a:rPr lang="pt-PT" b="1" dirty="0" smtClean="0"/>
-            </a:br>
-            <a:r>
-              <a:rPr lang="en-US" sz="2000" b="1" dirty="0"/>
-              <a:t/>
-            </a:r>
-            <a:br>
-              <a:rPr lang="en-US" sz="2000" b="1" dirty="0"/>
-            </a:br>
-            <a:r>
-              <a:rPr lang="pt-PT" dirty="0"/>
-              <a:t>Essa interface destina-se ao Funcionário </a:t>
-            </a:r>
-            <a:r>
-              <a:rPr lang="pt-PT" dirty="0" smtClean="0"/>
-              <a:t>, onde pode </a:t>
-            </a:r>
-            <a:r>
-              <a:rPr lang="pt-PT" dirty="0"/>
-              <a:t>exercer várias funcionalidades tais como: cadastrar professores, funcionários e alunos. Pode ainda </a:t>
-            </a:r>
-            <a:r>
-              <a:rPr lang="pt-PT" dirty="0" err="1"/>
-              <a:t>efectuar</a:t>
-            </a:r>
-            <a:r>
-              <a:rPr lang="pt-PT" dirty="0"/>
-              <a:t> a matrícula, inscrição e alocar o estudante numa determinada turma, emitindo a pauta e ate mesmo imprimindo relatórios referentes aos professores e alunos.</a:t>
-            </a:r>
-            <a:r>
-              <a:rPr lang="en-US" dirty="0"/>
-              <a:t/>
-            </a:r>
-            <a:br>
-              <a:rPr lang="en-US" dirty="0"/>
-            </a:br>
-            <a:endParaRPr lang="en-US" dirty="0"/>
-          </a:p>
-        </p:txBody>
-      </p:sp>
-      <p:sp>
-        <p:nvSpPr>
-          <p:cNvPr id="4" name="Slide Number Placeholder 3"/>
-          <p:cNvSpPr>
-            <a:spLocks noGrp="1"/>
-          </p:cNvSpPr>
-          <p:nvPr>
-            <p:ph type="sldNum" sz="quarter" idx="12"/>
-          </p:nvPr>
-        </p:nvSpPr>
-        <p:spPr/>
-        <p:txBody>
-          <a:bodyPr/>
-          <a:lstStyle/>
-          <a:p>
-            <a:fld id="{62F918C2-80A9-4A77-A563-55CC62ECF21D}" type="slidenum">
-              <a:rPr lang="pt-PT" smtClean="0"/>
-              <a:t>19</a:t>
-            </a:fld>
-            <a:endParaRPr lang="pt-PT"/>
-          </a:p>
-        </p:txBody>
-      </p:sp>
-      <p:pic>
-        <p:nvPicPr>
-          <p:cNvPr id="5" name="Picture 4"/>
-          <p:cNvPicPr>
-            <a:picLocks noChangeAspect="1"/>
-          </p:cNvPicPr>
-          <p:nvPr/>
-        </p:nvPicPr>
-        <p:blipFill>
-          <a:blip r:embed="rId2">
-            <a:extLst>
-              <a:ext uri="{28A0092B-C50C-407E-A947-70E740481C1C}">
-                <a14:useLocalDpi xmlns:a14="http://schemas.microsoft.com/office/drawing/2010/main" val="0"/>
-              </a:ext>
-            </a:extLst>
-          </a:blip>
-          <a:stretch>
-            <a:fillRect/>
-          </a:stretch>
-        </p:blipFill>
-        <p:spPr>
-          <a:xfrm>
-            <a:off x="1483401" y="2214694"/>
-            <a:ext cx="8365137" cy="4336008"/>
-          </a:xfrm>
-          <a:prstGeom prst="rect">
-            <a:avLst/>
-          </a:prstGeom>
-        </p:spPr>
-      </p:pic>
-    </p:spTree>
-    <p:extLst>
-      <p:ext uri="{BB962C8B-B14F-4D97-AF65-F5344CB8AC3E}">
-        <p14:creationId xmlns:p14="http://schemas.microsoft.com/office/powerpoint/2010/main" val="516098082"/>
-      </p:ext>
-    </p:extLst>
-  </p:cSld>
-  <p:clrMapOvr>
-    <a:masterClrMapping/>
-  </p:clrMapOvr>
-</p:sld>
-</file>
-
-<file path=ppt/slides/slide2.xml><?xml version="1.0" encoding="utf-8"?>
-<p:sld xmlns:a="http://schemas.openxmlformats.org/drawingml/2006/main" xmlns:r="http://schemas.openxmlformats.org/officeDocument/2006/relationships" xmlns:p="http://schemas.openxmlformats.org/presentationml/2006/main">
-  <p:cSld>
-    <p:spTree>
-      <p:nvGrpSpPr>
-        <p:cNvPr id="1" name=""/>
-        <p:cNvGrpSpPr/>
-        <p:nvPr/>
-      </p:nvGrpSpPr>
-      <p:grpSpPr>
-        <a:xfrm>
-          <a:off x="0" y="0"/>
-          <a:ext cx="0" cy="0"/>
-          <a:chOff x="0" y="0"/>
-          <a:chExt cx="0" cy="0"/>
-        </a:xfrm>
-      </p:grpSpPr>
-      <p:sp>
-        <p:nvSpPr>
-          <p:cNvPr id="2" name="Title 1"/>
-          <p:cNvSpPr>
-            <a:spLocks noGrp="1"/>
-          </p:cNvSpPr>
-          <p:nvPr>
-            <p:ph type="title"/>
-          </p:nvPr>
-        </p:nvSpPr>
-        <p:spPr/>
-        <p:txBody>
-          <a:bodyPr/>
-          <a:lstStyle/>
-          <a:p>
-            <a:r>
-              <a:rPr lang="en-US" dirty="0" smtClean="0"/>
-              <a:t>Agenda</a:t>
-            </a:r>
-            <a:endParaRPr lang="pt-PT" dirty="0"/>
-          </a:p>
-        </p:txBody>
-      </p:sp>
-      <p:graphicFrame>
-        <p:nvGraphicFramePr>
-          <p:cNvPr id="4" name="Content Placeholder 3"/>
-          <p:cNvGraphicFramePr>
-            <a:graphicFrameLocks noGrp="1"/>
-          </p:cNvGraphicFramePr>
-          <p:nvPr>
-            <p:ph sz="quarter" idx="13"/>
-            <p:extLst>
-              <p:ext uri="{D42A27DB-BD31-4B8C-83A1-F6EECF244321}">
-                <p14:modId xmlns:p14="http://schemas.microsoft.com/office/powerpoint/2010/main" val="39640471"/>
-              </p:ext>
-            </p:extLst>
-          </p:nvPr>
-        </p:nvGraphicFramePr>
-        <p:xfrm>
-          <a:off x="913775" y="2108266"/>
-          <a:ext cx="8596312" cy="3881437"/>
-        </p:xfrm>
-        <a:graphic>
-          <a:graphicData uri="http://schemas.openxmlformats.org/drawingml/2006/diagram">
-            <dgm:relIds xmlns:dgm="http://schemas.openxmlformats.org/drawingml/2006/diagram" xmlns:r="http://schemas.openxmlformats.org/officeDocument/2006/relationships" r:dm="rId2" r:lo="rId3" r:qs="rId4" r:cs="rId5"/>
-          </a:graphicData>
-        </a:graphic>
-      </p:graphicFrame>
-      <p:sp>
-        <p:nvSpPr>
-          <p:cNvPr id="3" name="Marcador de Posição do Número do Diapositivo 2"/>
-          <p:cNvSpPr>
-            <a:spLocks noGrp="1"/>
-          </p:cNvSpPr>
-          <p:nvPr>
-            <p:ph type="sldNum" sz="quarter" idx="12"/>
-          </p:nvPr>
-        </p:nvSpPr>
-        <p:spPr/>
-        <p:txBody>
-          <a:bodyPr/>
-          <a:lstStyle/>
-          <a:p>
-            <a:fld id="{62F918C2-80A9-4A77-A563-55CC62ECF21D}" type="slidenum">
-              <a:rPr lang="pt-PT" smtClean="0"/>
-              <a:t>2</a:t>
-            </a:fld>
-            <a:endParaRPr lang="pt-PT"/>
-          </a:p>
-        </p:txBody>
-      </p:sp>
-    </p:spTree>
-    <p:extLst>
-      <p:ext uri="{BB962C8B-B14F-4D97-AF65-F5344CB8AC3E}">
-        <p14:creationId xmlns:p14="http://schemas.microsoft.com/office/powerpoint/2010/main" val="1596957041"/>
-      </p:ext>
-    </p:extLst>
-  </p:cSld>
-  <p:clrMapOvr>
-    <a:masterClrMapping/>
-  </p:clrMapOvr>
-  <p:timing>
-    <p:tnLst>
-      <p:par>
-        <p:cTn id="1" dur="indefinite" restart="never" nodeType="tmRoot"/>
-      </p:par>
-    </p:tnLst>
-  </p:timing>
-</p:sld>
-</file>
-
-<file path=ppt/slides/slide20.xml><?xml version="1.0" encoding="utf-8"?>
-<p:sld xmlns:a="http://schemas.openxmlformats.org/drawingml/2006/main" xmlns:r="http://schemas.openxmlformats.org/officeDocument/2006/relationships" xmlns:p="http://schemas.openxmlformats.org/presentationml/2006/main">
-  <p:cSld>
-    <p:spTree>
-      <p:nvGrpSpPr>
-        <p:cNvPr id="1" name=""/>
-        <p:cNvGrpSpPr/>
-        <p:nvPr/>
-      </p:nvGrpSpPr>
-      <p:grpSpPr>
-        <a:xfrm>
-          <a:off x="0" y="0"/>
-          <a:ext cx="0" cy="0"/>
-          <a:chOff x="0" y="0"/>
-          <a:chExt cx="0" cy="0"/>
-        </a:xfrm>
-      </p:grpSpPr>
-      <p:sp>
-        <p:nvSpPr>
-          <p:cNvPr id="2" name="Title 1"/>
-          <p:cNvSpPr>
-            <a:spLocks noGrp="1"/>
-          </p:cNvSpPr>
-          <p:nvPr>
-            <p:ph type="title"/>
-          </p:nvPr>
-        </p:nvSpPr>
-        <p:spPr/>
-        <p:txBody>
-          <a:bodyPr/>
-          <a:lstStyle/>
-          <a:p>
-            <a:pPr lvl="1" algn="ctr" rtl="0">
-              <a:lnSpc>
-                <a:spcPct val="90000"/>
-              </a:lnSpc>
-              <a:spcBef>
-                <a:spcPct val="0"/>
-              </a:spcBef>
-            </a:pPr>
-            <a:r>
-              <a:rPr lang="pt-PT" sz="2000" b="1" dirty="0"/>
-              <a:t>Menu do </a:t>
-            </a:r>
-            <a:r>
-              <a:rPr lang="pt-PT" sz="2000" b="1" dirty="0" smtClean="0"/>
-              <a:t>Professor</a:t>
-            </a:r>
-            <a:r>
-              <a:rPr lang="pt-PT" b="1" dirty="0" smtClean="0"/>
-              <a:t/>
-            </a:r>
-            <a:br>
-              <a:rPr lang="pt-PT" b="1" dirty="0" smtClean="0"/>
-            </a:br>
-            <a:r>
-              <a:rPr lang="en-US" sz="2000" b="1" dirty="0"/>
-              <a:t/>
-            </a:r>
-            <a:br>
-              <a:rPr lang="en-US" sz="2000" b="1" dirty="0"/>
-            </a:br>
-            <a:r>
-              <a:rPr lang="pt-PT" dirty="0"/>
-              <a:t>Essa interface destina-se ao Professor, na qual pode preencher e imprimir a pauta, imprimir relatórios referentes aos estudantes desejados, bem como pesquisar os estudantes.</a:t>
-            </a:r>
-            <a:r>
-              <a:rPr lang="en-US" dirty="0"/>
-              <a:t/>
-            </a:r>
-            <a:br>
-              <a:rPr lang="en-US" dirty="0"/>
-            </a:br>
-            <a:endParaRPr lang="en-US" dirty="0"/>
-          </a:p>
-        </p:txBody>
-      </p:sp>
-      <p:sp>
-        <p:nvSpPr>
-          <p:cNvPr id="4" name="Slide Number Placeholder 3"/>
-          <p:cNvSpPr>
-            <a:spLocks noGrp="1"/>
-          </p:cNvSpPr>
-          <p:nvPr>
-            <p:ph type="sldNum" sz="quarter" idx="12"/>
-          </p:nvPr>
-        </p:nvSpPr>
-        <p:spPr/>
-        <p:txBody>
-          <a:bodyPr/>
-          <a:lstStyle/>
-          <a:p>
-            <a:fld id="{62F918C2-80A9-4A77-A563-55CC62ECF21D}" type="slidenum">
-              <a:rPr lang="pt-PT" smtClean="0"/>
-              <a:t>20</a:t>
-            </a:fld>
-            <a:endParaRPr lang="pt-PT"/>
-          </a:p>
-        </p:txBody>
-      </p:sp>
-      <p:pic>
-        <p:nvPicPr>
-          <p:cNvPr id="5" name="Picture 4"/>
-          <p:cNvPicPr>
-            <a:picLocks noChangeAspect="1"/>
-          </p:cNvPicPr>
-          <p:nvPr/>
-        </p:nvPicPr>
-        <p:blipFill>
-          <a:blip r:embed="rId2">
-            <a:extLst>
-              <a:ext uri="{28A0092B-C50C-407E-A947-70E740481C1C}">
-                <a14:useLocalDpi xmlns:a14="http://schemas.microsoft.com/office/drawing/2010/main" val="0"/>
-              </a:ext>
-            </a:extLst>
-          </a:blip>
-          <a:stretch>
-            <a:fillRect/>
-          </a:stretch>
-        </p:blipFill>
-        <p:spPr>
-          <a:xfrm>
-            <a:off x="1108644" y="2214694"/>
-            <a:ext cx="10208927" cy="4033706"/>
-          </a:xfrm>
-          <a:prstGeom prst="rect">
-            <a:avLst/>
-          </a:prstGeom>
-        </p:spPr>
-      </p:pic>
-    </p:spTree>
-    <p:extLst>
-      <p:ext uri="{BB962C8B-B14F-4D97-AF65-F5344CB8AC3E}">
-        <p14:creationId xmlns:p14="http://schemas.microsoft.com/office/powerpoint/2010/main" val="1329699745"/>
-      </p:ext>
-    </p:extLst>
-  </p:cSld>
-  <p:clrMapOvr>
-    <a:masterClrMapping/>
-  </p:clrMapOvr>
-</p:sld>
-</file>
-
-<file path=ppt/slides/slide21.xml><?xml version="1.0" encoding="utf-8"?>
-<p:sld xmlns:a="http://schemas.openxmlformats.org/drawingml/2006/main" xmlns:r="http://schemas.openxmlformats.org/officeDocument/2006/relationships" xmlns:p="http://schemas.openxmlformats.org/presentationml/2006/main">
-  <p:cSld>
-    <p:spTree>
-      <p:nvGrpSpPr>
-        <p:cNvPr id="1" name=""/>
-        <p:cNvGrpSpPr/>
-        <p:nvPr/>
-      </p:nvGrpSpPr>
-      <p:grpSpPr>
-        <a:xfrm>
-          <a:off x="0" y="0"/>
-          <a:ext cx="0" cy="0"/>
-          <a:chOff x="0" y="0"/>
-          <a:chExt cx="0" cy="0"/>
-        </a:xfrm>
-      </p:grpSpPr>
-      <p:sp>
-        <p:nvSpPr>
-          <p:cNvPr id="2" name="Title 1"/>
-          <p:cNvSpPr>
-            <a:spLocks noGrp="1"/>
-          </p:cNvSpPr>
-          <p:nvPr>
-            <p:ph type="title"/>
-          </p:nvPr>
-        </p:nvSpPr>
-        <p:spPr/>
-        <p:txBody>
-          <a:bodyPr>
-            <a:normAutofit/>
-          </a:bodyPr>
-          <a:lstStyle/>
-          <a:p>
-            <a:r>
-              <a:rPr lang="pt-PT" sz="2000" b="1" dirty="0" smtClean="0"/>
-              <a:t>Cadastro </a:t>
-            </a:r>
-            <a:r>
-              <a:rPr lang="pt-PT" sz="2000" b="1" dirty="0"/>
-              <a:t>do </a:t>
-            </a:r>
-            <a:r>
-              <a:rPr lang="pt-PT" sz="2000" b="1" dirty="0" smtClean="0"/>
-              <a:t>Estudante</a:t>
-            </a:r>
-            <a:br>
-              <a:rPr lang="pt-PT" sz="2000" b="1" dirty="0" smtClean="0"/>
-            </a:br>
-            <a:r>
-              <a:rPr lang="en-US" sz="2000" b="1" dirty="0"/>
-              <a:t/>
-            </a:r>
-            <a:br>
-              <a:rPr lang="en-US" sz="2000" b="1" dirty="0"/>
-            </a:br>
-            <a:r>
-              <a:rPr lang="pt-PT" sz="1600" dirty="0"/>
-              <a:t>Essa interface possibilita ao funcionário cadastrar os estudantes, e no final na operação podendo cancelar ou confirmar o cadastro. </a:t>
-            </a:r>
-            <a:endParaRPr lang="en-US" sz="1200" dirty="0"/>
-          </a:p>
-        </p:txBody>
-      </p:sp>
-      <p:sp>
-        <p:nvSpPr>
-          <p:cNvPr id="4" name="Slide Number Placeholder 3"/>
-          <p:cNvSpPr>
-            <a:spLocks noGrp="1"/>
-          </p:cNvSpPr>
-          <p:nvPr>
-            <p:ph type="sldNum" sz="quarter" idx="12"/>
-          </p:nvPr>
-        </p:nvSpPr>
-        <p:spPr/>
-        <p:txBody>
-          <a:bodyPr/>
-          <a:lstStyle/>
-          <a:p>
-            <a:fld id="{62F918C2-80A9-4A77-A563-55CC62ECF21D}" type="slidenum">
-              <a:rPr lang="pt-PT" smtClean="0"/>
-              <a:t>21</a:t>
-            </a:fld>
-            <a:endParaRPr lang="pt-PT"/>
-          </a:p>
-        </p:txBody>
-      </p:sp>
-      <p:pic>
-        <p:nvPicPr>
-          <p:cNvPr id="5" name="Picture 4"/>
-          <p:cNvPicPr>
-            <a:picLocks noChangeAspect="1"/>
-          </p:cNvPicPr>
-          <p:nvPr/>
-        </p:nvPicPr>
-        <p:blipFill>
-          <a:blip r:embed="rId2">
-            <a:extLst>
-              <a:ext uri="{28A0092B-C50C-407E-A947-70E740481C1C}">
-                <a14:useLocalDpi xmlns:a14="http://schemas.microsoft.com/office/drawing/2010/main" val="0"/>
-              </a:ext>
-            </a:extLst>
-          </a:blip>
-          <a:stretch>
-            <a:fillRect/>
-          </a:stretch>
-        </p:blipFill>
-        <p:spPr>
-          <a:xfrm>
-            <a:off x="913774" y="2214694"/>
-            <a:ext cx="10364452" cy="4342804"/>
-          </a:xfrm>
-          <a:prstGeom prst="rect">
-            <a:avLst/>
-          </a:prstGeom>
-        </p:spPr>
-      </p:pic>
-    </p:spTree>
-    <p:extLst>
-      <p:ext uri="{BB962C8B-B14F-4D97-AF65-F5344CB8AC3E}">
-        <p14:creationId xmlns:p14="http://schemas.microsoft.com/office/powerpoint/2010/main" val="1624515437"/>
-      </p:ext>
-    </p:extLst>
-  </p:cSld>
-  <p:clrMapOvr>
-    <a:masterClrMapping/>
-  </p:clrMapOvr>
-</p:sld>
-</file>
-
-<file path=ppt/slides/slide22.xml><?xml version="1.0" encoding="utf-8"?>
-<p:sld xmlns:a="http://schemas.openxmlformats.org/drawingml/2006/main" xmlns:r="http://schemas.openxmlformats.org/officeDocument/2006/relationships" xmlns:p="http://schemas.openxmlformats.org/presentationml/2006/main">
-  <p:cSld>
-    <p:spTree>
-      <p:nvGrpSpPr>
-        <p:cNvPr id="1" name=""/>
-        <p:cNvGrpSpPr/>
-        <p:nvPr/>
-      </p:nvGrpSpPr>
-      <p:grpSpPr>
-        <a:xfrm>
-          <a:off x="0" y="0"/>
-          <a:ext cx="0" cy="0"/>
-          <a:chOff x="0" y="0"/>
-          <a:chExt cx="0" cy="0"/>
-        </a:xfrm>
-      </p:grpSpPr>
-      <p:sp>
-        <p:nvSpPr>
-          <p:cNvPr id="2" name="Title 1"/>
-          <p:cNvSpPr>
-            <a:spLocks noGrp="1"/>
-          </p:cNvSpPr>
-          <p:nvPr>
-            <p:ph type="title"/>
-          </p:nvPr>
-        </p:nvSpPr>
-        <p:spPr/>
-        <p:txBody>
-          <a:bodyPr/>
-          <a:lstStyle/>
-          <a:p>
-            <a:pPr lvl="1" algn="ctr" rtl="0">
-              <a:lnSpc>
-                <a:spcPct val="90000"/>
-              </a:lnSpc>
-              <a:spcBef>
-                <a:spcPct val="0"/>
-              </a:spcBef>
-            </a:pPr>
-            <a:r>
-              <a:rPr lang="pt-PT" sz="2000" b="1" dirty="0"/>
-              <a:t>Cadastro do </a:t>
-            </a:r>
-            <a:r>
-              <a:rPr lang="pt-PT" sz="2000" b="1" dirty="0" smtClean="0"/>
-              <a:t>Professor</a:t>
-            </a:r>
-            <a:r>
-              <a:rPr lang="pt-PT" b="1" dirty="0" smtClean="0"/>
-              <a:t/>
-            </a:r>
-            <a:br>
-              <a:rPr lang="pt-PT" b="1" dirty="0" smtClean="0"/>
-            </a:br>
-            <a:r>
-              <a:rPr lang="en-US" sz="2000" b="1" dirty="0"/>
-              <a:t/>
-            </a:r>
-            <a:br>
-              <a:rPr lang="en-US" sz="2000" b="1" dirty="0"/>
-            </a:br>
-            <a:r>
-              <a:rPr lang="pt-PT" dirty="0"/>
-              <a:t>Essa interface possibilita ao funcionário cadastrar os professores, e no final na operação podendo cancelar ou confirmar o cadastro. </a:t>
-            </a:r>
-            <a:r>
-              <a:rPr lang="en-US" dirty="0"/>
-              <a:t/>
-            </a:r>
-            <a:br>
-              <a:rPr lang="en-US" dirty="0"/>
-            </a:br>
-            <a:endParaRPr lang="en-US" dirty="0"/>
-          </a:p>
-        </p:txBody>
-      </p:sp>
-      <p:sp>
-        <p:nvSpPr>
-          <p:cNvPr id="4" name="Slide Number Placeholder 3"/>
-          <p:cNvSpPr>
-            <a:spLocks noGrp="1"/>
-          </p:cNvSpPr>
-          <p:nvPr>
-            <p:ph type="sldNum" sz="quarter" idx="12"/>
-          </p:nvPr>
-        </p:nvSpPr>
-        <p:spPr/>
-        <p:txBody>
-          <a:bodyPr/>
-          <a:lstStyle/>
-          <a:p>
-            <a:fld id="{62F918C2-80A9-4A77-A563-55CC62ECF21D}" type="slidenum">
-              <a:rPr lang="pt-PT" smtClean="0"/>
-              <a:t>22</a:t>
-            </a:fld>
-            <a:endParaRPr lang="pt-PT"/>
-          </a:p>
-        </p:txBody>
-      </p:sp>
-      <p:pic>
-        <p:nvPicPr>
-          <p:cNvPr id="5" name="Picture 4"/>
-          <p:cNvPicPr>
-            <a:picLocks noChangeAspect="1"/>
-          </p:cNvPicPr>
-          <p:nvPr/>
-        </p:nvPicPr>
-        <p:blipFill>
-          <a:blip r:embed="rId2">
-            <a:extLst>
-              <a:ext uri="{28A0092B-C50C-407E-A947-70E740481C1C}">
-                <a14:useLocalDpi xmlns:a14="http://schemas.microsoft.com/office/drawing/2010/main" val="0"/>
-              </a:ext>
-            </a:extLst>
-          </a:blip>
-          <a:stretch>
-            <a:fillRect/>
-          </a:stretch>
-        </p:blipFill>
-        <p:spPr>
-          <a:xfrm>
-            <a:off x="913774" y="2214693"/>
-            <a:ext cx="10364452" cy="4172203"/>
-          </a:xfrm>
-          <a:prstGeom prst="rect">
-            <a:avLst/>
-          </a:prstGeom>
-        </p:spPr>
-      </p:pic>
-    </p:spTree>
-    <p:extLst>
-      <p:ext uri="{BB962C8B-B14F-4D97-AF65-F5344CB8AC3E}">
-        <p14:creationId xmlns:p14="http://schemas.microsoft.com/office/powerpoint/2010/main" val="2018605669"/>
-      </p:ext>
-    </p:extLst>
-  </p:cSld>
-  <p:clrMapOvr>
-    <a:masterClrMapping/>
-  </p:clrMapOvr>
-</p:sld>
-</file>
-
-<file path=ppt/slides/slide23.xml><?xml version="1.0" encoding="utf-8"?>
-<p:sld xmlns:a="http://schemas.openxmlformats.org/drawingml/2006/main" xmlns:r="http://schemas.openxmlformats.org/officeDocument/2006/relationships" xmlns:p="http://schemas.openxmlformats.org/presentationml/2006/main">
-  <p:cSld>
-    <p:spTree>
-      <p:nvGrpSpPr>
-        <p:cNvPr id="1" name=""/>
-        <p:cNvGrpSpPr/>
-        <p:nvPr/>
-      </p:nvGrpSpPr>
-      <p:grpSpPr>
-        <a:xfrm>
-          <a:off x="0" y="0"/>
-          <a:ext cx="0" cy="0"/>
-          <a:chOff x="0" y="0"/>
-          <a:chExt cx="0" cy="0"/>
-        </a:xfrm>
-      </p:grpSpPr>
-      <p:sp>
-        <p:nvSpPr>
-          <p:cNvPr id="2" name="Title 1"/>
-          <p:cNvSpPr>
-            <a:spLocks noGrp="1"/>
-          </p:cNvSpPr>
-          <p:nvPr>
-            <p:ph type="title"/>
-          </p:nvPr>
-        </p:nvSpPr>
-        <p:spPr/>
-        <p:txBody>
-          <a:bodyPr>
-            <a:normAutofit/>
-          </a:bodyPr>
-          <a:lstStyle/>
-          <a:p>
-            <a:r>
-              <a:rPr lang="pt-PT" sz="2000" b="1" dirty="0"/>
-              <a:t>Matricular </a:t>
-            </a:r>
-            <a:r>
-              <a:rPr lang="pt-PT" sz="2000" b="1" dirty="0" smtClean="0"/>
-              <a:t>aluno</a:t>
-            </a:r>
-            <a:br>
-              <a:rPr lang="pt-PT" sz="2000" b="1" dirty="0" smtClean="0"/>
-            </a:br>
-            <a:r>
-              <a:rPr lang="en-US" b="1" dirty="0"/>
-              <a:t/>
-            </a:r>
-            <a:br>
-              <a:rPr lang="en-US" b="1" dirty="0"/>
-            </a:br>
-            <a:r>
-              <a:rPr lang="pt-PT" sz="1400" dirty="0"/>
-              <a:t>Essa interface permite ao funcionário matricular novos estudante.</a:t>
-            </a:r>
-            <a:r>
-              <a:rPr lang="en-US" dirty="0"/>
-              <a:t/>
-            </a:r>
-            <a:br>
-              <a:rPr lang="en-US" dirty="0"/>
-            </a:br>
-            <a:endParaRPr lang="en-US" dirty="0"/>
-          </a:p>
-        </p:txBody>
-      </p:sp>
-      <p:sp>
-        <p:nvSpPr>
-          <p:cNvPr id="4" name="Slide Number Placeholder 3"/>
-          <p:cNvSpPr>
-            <a:spLocks noGrp="1"/>
-          </p:cNvSpPr>
-          <p:nvPr>
-            <p:ph type="sldNum" sz="quarter" idx="12"/>
-          </p:nvPr>
-        </p:nvSpPr>
-        <p:spPr/>
-        <p:txBody>
-          <a:bodyPr/>
-          <a:lstStyle/>
-          <a:p>
-            <a:fld id="{62F918C2-80A9-4A77-A563-55CC62ECF21D}" type="slidenum">
-              <a:rPr lang="pt-PT" smtClean="0"/>
-              <a:t>23</a:t>
-            </a:fld>
-            <a:endParaRPr lang="pt-PT"/>
-          </a:p>
-        </p:txBody>
-      </p:sp>
-      <p:sp>
-        <p:nvSpPr>
-          <p:cNvPr id="5" name="Rectangle 2"/>
-          <p:cNvSpPr>
-            <a:spLocks noChangeArrowheads="1"/>
-          </p:cNvSpPr>
-          <p:nvPr/>
-        </p:nvSpPr>
-        <p:spPr bwMode="auto">
-          <a:xfrm>
-            <a:off x="913774" y="2214694"/>
-            <a:ext cx="25512495" cy="0"/>
-          </a:xfrm>
-          <a:prstGeom prst="rect">
-            <a:avLst/>
-          </a:prstGeom>
-          <a:noFill/>
-          <a:ln>
-            <a:noFill/>
-          </a:ln>
-          <a:effectLst/>
-          <a:extLst>
-            <a:ext uri="{909E8E84-426E-40DD-AFC4-6F175D3DCCD1}">
-              <a14:hiddenFill xmlns:a14="http://schemas.microsoft.com/office/drawing/2010/main">
-                <a:solidFill>
-                  <a:schemeClr val="accent1"/>
-                </a:solidFill>
-              </a14:hiddenFill>
-            </a:ext>
-            <a:ext uri="{91240B29-F687-4F45-9708-019B960494DF}">
-              <a14:hiddenLine xmlns:a14="http://schemas.microsoft.com/office/drawing/2010/main" w="9525">
-                <a:solidFill>
-                  <a:schemeClr val="tx1"/>
-                </a:solidFill>
-                <a:miter lim="800000"/>
-                <a:headEnd/>
-                <a:tailEnd/>
-              </a14:hiddenLine>
-            </a:ext>
-            <a:ext uri="{AF507438-7753-43E0-B8FC-AC1667EBCBE1}">
-              <a14:hiddenEffects xmlns:a14="http://schemas.microsoft.com/office/drawing/2010/main">
-                <a:effectLst>
-                  <a:outerShdw blurRad="63500" dist="38099" dir="2700000" algn="ctr" rotWithShape="0">
-                    <a:schemeClr val="bg2">
-                      <a:alpha val="74998"/>
-                    </a:schemeClr>
-                  </a:outerShdw>
-                </a:effectLst>
-              </a14:hiddenEffects>
-            </a:ext>
-          </a:extLst>
-        </p:spPr>
-        <p:txBody>
-          <a:bodyPr vert="horz" wrap="square" lIns="91440" tIns="45720" rIns="91440" bIns="45720" numCol="1" anchor="ctr" anchorCtr="0" compatLnSpc="1">
-            <a:prstTxWarp prst="textNoShape">
-              <a:avLst/>
-            </a:prstTxWarp>
-            <a:spAutoFit/>
-          </a:bodyPr>
-          <a:lstStyle/>
-          <a:p>
-            <a:endParaRPr lang="en-US"/>
-          </a:p>
-        </p:txBody>
-      </p:sp>
-      <p:pic>
-        <p:nvPicPr>
-          <p:cNvPr id="8193" name="Imagem 6" descr="C:\Users\Belmira Muchanga\Desktop\Mockups\Mockups (Gestao Escolar)\Matricular.png"/>
-          <p:cNvPicPr>
-            <a:picLocks noChangeAspect="1" noChangeArrowheads="1"/>
-          </p:cNvPicPr>
-          <p:nvPr/>
-        </p:nvPicPr>
-        <p:blipFill>
-          <a:blip r:embed="rId2">
-            <a:extLst>
-              <a:ext uri="{28A0092B-C50C-407E-A947-70E740481C1C}">
-                <a14:useLocalDpi xmlns:a14="http://schemas.microsoft.com/office/drawing/2010/main" val="0"/>
-              </a:ext>
-            </a:extLst>
-          </a:blip>
-          <a:srcRect l="8000" t="23885" r="27127" b="5981"/>
-          <a:stretch>
-            <a:fillRect/>
-          </a:stretch>
-        </p:blipFill>
-        <p:spPr bwMode="auto">
-          <a:xfrm>
-            <a:off x="913774" y="2214694"/>
-            <a:ext cx="10364451" cy="4201096"/>
-          </a:xfrm>
-          <a:prstGeom prst="rect">
-            <a:avLst/>
-          </a:prstGeom>
-          <a:noFill/>
-          <a:extLst>
-            <a:ext uri="{909E8E84-426E-40DD-AFC4-6F175D3DCCD1}">
-              <a14:hiddenFill xmlns:a14="http://schemas.microsoft.com/office/drawing/2010/main">
-                <a:solidFill>
-                  <a:srgbClr val="FFFFFF"/>
-                </a:solidFill>
-              </a14:hiddenFill>
-            </a:ext>
-          </a:extLst>
-        </p:spPr>
-      </p:pic>
-    </p:spTree>
-    <p:extLst>
-      <p:ext uri="{BB962C8B-B14F-4D97-AF65-F5344CB8AC3E}">
-        <p14:creationId xmlns:p14="http://schemas.microsoft.com/office/powerpoint/2010/main" val="293679496"/>
-      </p:ext>
-    </p:extLst>
-  </p:cSld>
-  <p:clrMapOvr>
-    <a:masterClrMapping/>
-  </p:clrMapOvr>
-</p:sld>
-</file>
-
-<file path=ppt/slides/slide24.xml><?xml version="1.0" encoding="utf-8"?>
-<p:sld xmlns:a="http://schemas.openxmlformats.org/drawingml/2006/main" xmlns:r="http://schemas.openxmlformats.org/officeDocument/2006/relationships" xmlns:p="http://schemas.openxmlformats.org/presentationml/2006/main">
-  <p:cSld>
-    <p:spTree>
-      <p:nvGrpSpPr>
-        <p:cNvPr id="1" name=""/>
-        <p:cNvGrpSpPr/>
-        <p:nvPr/>
-      </p:nvGrpSpPr>
-      <p:grpSpPr>
-        <a:xfrm>
-          <a:off x="0" y="0"/>
-          <a:ext cx="0" cy="0"/>
-          <a:chOff x="0" y="0"/>
-          <a:chExt cx="0" cy="0"/>
-        </a:xfrm>
-      </p:grpSpPr>
-      <p:sp>
-        <p:nvSpPr>
-          <p:cNvPr id="2" name="Title 1"/>
-          <p:cNvSpPr>
-            <a:spLocks noGrp="1"/>
-          </p:cNvSpPr>
-          <p:nvPr>
-            <p:ph type="title"/>
-          </p:nvPr>
-        </p:nvSpPr>
-        <p:spPr/>
-        <p:txBody>
-          <a:bodyPr/>
-          <a:lstStyle/>
-          <a:p>
-            <a:pPr lvl="1" algn="ctr" rtl="0">
-              <a:lnSpc>
-                <a:spcPct val="90000"/>
-              </a:lnSpc>
-              <a:spcBef>
-                <a:spcPct val="0"/>
-              </a:spcBef>
-            </a:pPr>
-            <a:r>
-              <a:rPr lang="pt-PT" sz="2000" b="1" dirty="0"/>
-              <a:t>Inscrever </a:t>
-            </a:r>
-            <a:r>
-              <a:rPr lang="pt-PT" sz="2000" b="1" dirty="0" smtClean="0"/>
-              <a:t>aluno</a:t>
-            </a:r>
-            <a:r>
-              <a:rPr lang="pt-PT" b="1" dirty="0" smtClean="0"/>
-              <a:t/>
-            </a:r>
-            <a:br>
-              <a:rPr lang="pt-PT" b="1" dirty="0" smtClean="0"/>
-            </a:br>
-            <a:r>
-              <a:rPr lang="en-US" sz="2000" b="1" dirty="0"/>
-              <a:t/>
-            </a:r>
-            <a:br>
-              <a:rPr lang="en-US" sz="2000" b="1" dirty="0"/>
-            </a:br>
-            <a:r>
-              <a:rPr lang="pt-PT" dirty="0"/>
-              <a:t>Essa interface permite ao funcionário inscrever estudante.</a:t>
-            </a:r>
-            <a:r>
-              <a:rPr lang="en-US" dirty="0"/>
-              <a:t/>
-            </a:r>
-            <a:br>
-              <a:rPr lang="en-US" dirty="0"/>
-            </a:br>
-            <a:endParaRPr lang="en-US" dirty="0"/>
-          </a:p>
-        </p:txBody>
-      </p:sp>
-      <p:sp>
-        <p:nvSpPr>
-          <p:cNvPr id="4" name="Slide Number Placeholder 3"/>
-          <p:cNvSpPr>
-            <a:spLocks noGrp="1"/>
-          </p:cNvSpPr>
-          <p:nvPr>
-            <p:ph type="sldNum" sz="quarter" idx="12"/>
-          </p:nvPr>
-        </p:nvSpPr>
-        <p:spPr/>
-        <p:txBody>
-          <a:bodyPr/>
-          <a:lstStyle/>
-          <a:p>
-            <a:fld id="{62F918C2-80A9-4A77-A563-55CC62ECF21D}" type="slidenum">
-              <a:rPr lang="pt-PT" smtClean="0"/>
-              <a:t>24</a:t>
-            </a:fld>
-            <a:endParaRPr lang="pt-PT"/>
-          </a:p>
-        </p:txBody>
-      </p:sp>
-      <p:sp>
-        <p:nvSpPr>
-          <p:cNvPr id="5" name="Rectangle 2"/>
-          <p:cNvSpPr>
-            <a:spLocks noChangeArrowheads="1"/>
-          </p:cNvSpPr>
-          <p:nvPr/>
-        </p:nvSpPr>
-        <p:spPr bwMode="auto">
-          <a:xfrm>
-            <a:off x="913774" y="2214694"/>
-            <a:ext cx="25317743" cy="0"/>
-          </a:xfrm>
-          <a:prstGeom prst="rect">
-            <a:avLst/>
-          </a:prstGeom>
-          <a:noFill/>
-          <a:ln>
-            <a:noFill/>
-          </a:ln>
-          <a:effectLst/>
-          <a:extLst>
-            <a:ext uri="{909E8E84-426E-40DD-AFC4-6F175D3DCCD1}">
-              <a14:hiddenFill xmlns:a14="http://schemas.microsoft.com/office/drawing/2010/main">
-                <a:solidFill>
-                  <a:schemeClr val="accent1"/>
-                </a:solidFill>
-              </a14:hiddenFill>
-            </a:ext>
-            <a:ext uri="{91240B29-F687-4F45-9708-019B960494DF}">
-              <a14:hiddenLine xmlns:a14="http://schemas.microsoft.com/office/drawing/2010/main" w="9525">
-                <a:solidFill>
-                  <a:schemeClr val="tx1"/>
-                </a:solidFill>
-                <a:miter lim="800000"/>
-                <a:headEnd/>
-                <a:tailEnd/>
-              </a14:hiddenLine>
-            </a:ext>
-            <a:ext uri="{AF507438-7753-43E0-B8FC-AC1667EBCBE1}">
-              <a14:hiddenEffects xmlns:a14="http://schemas.microsoft.com/office/drawing/2010/main">
-                <a:effectLst>
-                  <a:outerShdw blurRad="63500" dist="38099" dir="2700000" algn="ctr" rotWithShape="0">
-                    <a:schemeClr val="bg2">
-                      <a:alpha val="74998"/>
-                    </a:schemeClr>
-                  </a:outerShdw>
-                </a:effectLst>
-              </a14:hiddenEffects>
-            </a:ext>
-          </a:extLst>
-        </p:spPr>
-        <p:txBody>
-          <a:bodyPr vert="horz" wrap="square" lIns="91440" tIns="45720" rIns="91440" bIns="45720" numCol="1" anchor="ctr" anchorCtr="0" compatLnSpc="1">
-            <a:prstTxWarp prst="textNoShape">
-              <a:avLst/>
-            </a:prstTxWarp>
-            <a:spAutoFit/>
-          </a:bodyPr>
-          <a:lstStyle/>
-          <a:p>
-            <a:endParaRPr lang="en-US"/>
-          </a:p>
-        </p:txBody>
-      </p:sp>
-      <p:pic>
-        <p:nvPicPr>
-          <p:cNvPr id="9217" name="Imagem 7" descr="C:\Users\Belmira Muchanga\Desktop\Mockups\Mockups (Gestao Escolar)\Inscricao.png"/>
-          <p:cNvPicPr>
-            <a:picLocks noChangeAspect="1" noChangeArrowheads="1"/>
-          </p:cNvPicPr>
-          <p:nvPr/>
-        </p:nvPicPr>
-        <p:blipFill>
-          <a:blip r:embed="rId2">
-            <a:extLst>
-              <a:ext uri="{28A0092B-C50C-407E-A947-70E740481C1C}">
-                <a14:useLocalDpi xmlns:a14="http://schemas.microsoft.com/office/drawing/2010/main" val="0"/>
-              </a:ext>
-            </a:extLst>
-          </a:blip>
-          <a:srcRect l="8923" t="23885" r="27313" b="6677"/>
-          <a:stretch>
-            <a:fillRect/>
-          </a:stretch>
-        </p:blipFill>
-        <p:spPr bwMode="auto">
-          <a:xfrm>
-            <a:off x="913774" y="2214693"/>
-            <a:ext cx="10364451" cy="4261057"/>
-          </a:xfrm>
-          <a:prstGeom prst="rect">
-            <a:avLst/>
-          </a:prstGeom>
-          <a:noFill/>
-          <a:extLst>
-            <a:ext uri="{909E8E84-426E-40DD-AFC4-6F175D3DCCD1}">
-              <a14:hiddenFill xmlns:a14="http://schemas.microsoft.com/office/drawing/2010/main">
-                <a:solidFill>
-                  <a:srgbClr val="FFFFFF"/>
-                </a:solidFill>
-              </a14:hiddenFill>
-            </a:ext>
-          </a:extLst>
-        </p:spPr>
-      </p:pic>
-    </p:spTree>
-    <p:extLst>
-      <p:ext uri="{BB962C8B-B14F-4D97-AF65-F5344CB8AC3E}">
-        <p14:creationId xmlns:p14="http://schemas.microsoft.com/office/powerpoint/2010/main" val="85351884"/>
-      </p:ext>
-    </p:extLst>
-  </p:cSld>
-  <p:clrMapOvr>
-    <a:masterClrMapping/>
-  </p:clrMapOvr>
-</p:sld>
-</file>
-
-<file path=ppt/slides/slide25.xml><?xml version="1.0" encoding="utf-8"?>
-<p:sld xmlns:a="http://schemas.openxmlformats.org/drawingml/2006/main" xmlns:r="http://schemas.openxmlformats.org/officeDocument/2006/relationships" xmlns:p="http://schemas.openxmlformats.org/presentationml/2006/main">
-  <p:cSld>
-    <p:spTree>
-      <p:nvGrpSpPr>
-        <p:cNvPr id="1" name=""/>
-        <p:cNvGrpSpPr/>
-        <p:nvPr/>
-      </p:nvGrpSpPr>
-      <p:grpSpPr>
-        <a:xfrm>
-          <a:off x="0" y="0"/>
-          <a:ext cx="0" cy="0"/>
-          <a:chOff x="0" y="0"/>
-          <a:chExt cx="0" cy="0"/>
-        </a:xfrm>
-      </p:grpSpPr>
-      <p:sp>
-        <p:nvSpPr>
-          <p:cNvPr id="4" name="Slide Number Placeholder 3"/>
-          <p:cNvSpPr>
-            <a:spLocks noGrp="1"/>
-          </p:cNvSpPr>
-          <p:nvPr>
-            <p:ph type="sldNum" sz="quarter" idx="12"/>
-          </p:nvPr>
-        </p:nvSpPr>
-        <p:spPr/>
-        <p:txBody>
-          <a:bodyPr/>
-          <a:lstStyle/>
-          <a:p>
-            <a:fld id="{62F918C2-80A9-4A77-A563-55CC62ECF21D}" type="slidenum">
-              <a:rPr lang="pt-PT" smtClean="0"/>
-              <a:t>25</a:t>
             </a:fld>
             <a:endParaRPr lang="pt-PT"/>
           </a:p>
@@ -18969,14 +17365,14 @@
           <a:effectLst/>
           <a:extLst>
             <a:ext uri="{909E8E84-426E-40dd-AFC4-6F175D3DCCD1}">
-              <a14:hiddenFill xmlns="" xmlns:a14="http://schemas.microsoft.com/office/drawing/2010/main">
+              <a14:hiddenFill xmlns:a14="http://schemas.microsoft.com/office/drawing/2010/main" xmlns="">
                 <a:solidFill>
                   <a:schemeClr val="accent1"/>
                 </a:solidFill>
               </a14:hiddenFill>
             </a:ext>
             <a:ext uri="{91240B29-F687-4f45-9708-019B960494DF}">
-              <a14:hiddenLine xmlns="" xmlns:a14="http://schemas.microsoft.com/office/drawing/2010/main" w="9525">
+              <a14:hiddenLine xmlns:a14="http://schemas.microsoft.com/office/drawing/2010/main" xmlns="" w="9525">
                 <a:solidFill>
                   <a:schemeClr val="tx1"/>
                 </a:solidFill>
@@ -18986,7 +17382,7 @@
               </a14:hiddenLine>
             </a:ext>
             <a:ext uri="{AF507438-7753-43e0-B8FC-AC1667EBCBE1}">
-              <a14:hiddenEffects xmlns="" xmlns:a14="http://schemas.microsoft.com/office/drawing/2010/main">
+              <a14:hiddenEffects xmlns:a14="http://schemas.microsoft.com/office/drawing/2010/main" xmlns="">
                 <a:effectLst>
                   <a:outerShdw dist="35921" dir="2700000" algn="ctr" rotWithShape="0">
                     <a:schemeClr val="bg2"/>
@@ -19055,6 +17451,114 @@
 </p:sld>
 </file>
 
+<file path=ppt/slides/slide2.xml><?xml version="1.0" encoding="utf-8"?>
+<p:sld xmlns:a="http://schemas.openxmlformats.org/drawingml/2006/main" xmlns:r="http://schemas.openxmlformats.org/officeDocument/2006/relationships" xmlns:p="http://schemas.openxmlformats.org/presentationml/2006/main">
+  <p:cSld>
+    <p:spTree>
+      <p:nvGrpSpPr>
+        <p:cNvPr id="1" name=""/>
+        <p:cNvGrpSpPr/>
+        <p:nvPr/>
+      </p:nvGrpSpPr>
+      <p:grpSpPr>
+        <a:xfrm>
+          <a:off x="0" y="0"/>
+          <a:ext cx="0" cy="0"/>
+          <a:chOff x="0" y="0"/>
+          <a:chExt cx="0" cy="0"/>
+        </a:xfrm>
+      </p:grpSpPr>
+      <p:sp>
+        <p:nvSpPr>
+          <p:cNvPr id="2" name="Title 1"/>
+          <p:cNvSpPr>
+            <a:spLocks noGrp="1"/>
+          </p:cNvSpPr>
+          <p:nvPr>
+            <p:ph type="title"/>
+          </p:nvPr>
+        </p:nvSpPr>
+        <p:spPr/>
+        <p:txBody>
+          <a:bodyPr/>
+          <a:lstStyle/>
+          <a:p>
+            <a:r>
+              <a:rPr lang="en-US" dirty="0" smtClean="0"/>
+              <a:t>Agenda</a:t>
+            </a:r>
+            <a:endParaRPr lang="pt-PT" dirty="0"/>
+          </a:p>
+        </p:txBody>
+      </p:sp>
+      <p:graphicFrame>
+        <p:nvGraphicFramePr>
+          <p:cNvPr id="4" name="Content Placeholder 3"/>
+          <p:cNvGraphicFramePr>
+            <a:graphicFrameLocks noGrp="1"/>
+          </p:cNvGraphicFramePr>
+          <p:nvPr>
+            <p:ph sz="quarter" idx="13"/>
+            <p:extLst>
+              <p:ext uri="{D42A27DB-BD31-4B8C-83A1-F6EECF244321}">
+                <p14:modId xmlns:p14="http://schemas.microsoft.com/office/powerpoint/2010/main" val="39640471"/>
+              </p:ext>
+            </p:extLst>
+          </p:nvPr>
+        </p:nvGraphicFramePr>
+        <p:xfrm>
+          <a:off x="913775" y="2108266"/>
+          <a:ext cx="8596312" cy="3881437"/>
+        </p:xfrm>
+        <a:graphic>
+          <a:graphicData uri="http://schemas.openxmlformats.org/drawingml/2006/diagram">
+            <dgm:relIds xmlns:dgm="http://schemas.openxmlformats.org/drawingml/2006/diagram" xmlns:r="http://schemas.openxmlformats.org/officeDocument/2006/relationships" r:dm="rId2" r:lo="rId3" r:qs="rId4" r:cs="rId5"/>
+          </a:graphicData>
+        </a:graphic>
+      </p:graphicFrame>
+      <p:sp>
+        <p:nvSpPr>
+          <p:cNvPr id="3" name="Marcador de Posição do Número do Diapositivo 2"/>
+          <p:cNvSpPr>
+            <a:spLocks noGrp="1"/>
+          </p:cNvSpPr>
+          <p:nvPr>
+            <p:ph type="sldNum" sz="quarter" idx="12"/>
+          </p:nvPr>
+        </p:nvSpPr>
+        <p:spPr/>
+        <p:txBody>
+          <a:bodyPr/>
+          <a:lstStyle/>
+          <a:p>
+            <a:fld id="{62F918C2-80A9-4A77-A563-55CC62ECF21D}" type="slidenum">
+              <a:rPr lang="pt-PT" smtClean="0"/>
+              <a:t>2</a:t>
+            </a:fld>
+            <a:endParaRPr lang="pt-PT"/>
+          </a:p>
+        </p:txBody>
+      </p:sp>
+    </p:spTree>
+    <p:extLst>
+      <p:ext uri="{BB962C8B-B14F-4D97-AF65-F5344CB8AC3E}">
+        <p14:creationId xmlns:p14="http://schemas.microsoft.com/office/powerpoint/2010/main" val="1596957041"/>
+      </p:ext>
+    </p:extLst>
+  </p:cSld>
+  <p:clrMapOvr>
+    <a:masterClrMapping/>
+  </p:clrMapOvr>
+  <p:timing>
+    <p:tnLst>
+      <p:par>
+        <p:cTn id="1" dur="indefinite" restart="never" nodeType="tmRoot"/>
+      </p:par>
+    </p:tnLst>
+  </p:timing>
+</p:sld>
+</file>
+
 <file path=ppt/slides/slide3.xml><?xml version="1.0" encoding="utf-8"?>
 <p:sld xmlns:a="http://schemas.openxmlformats.org/drawingml/2006/main" xmlns:r="http://schemas.openxmlformats.org/officeDocument/2006/relationships" xmlns:p="http://schemas.openxmlformats.org/presentationml/2006/main">
   <p:cSld>
@@ -19126,15 +17630,7 @@
             </a:r>
             <a:r>
               <a:rPr lang="pt-BR" dirty="0" smtClean="0"/>
-              <a:t>esc</a:t>
-            </a:r>
-            <a:r>
-              <a:rPr lang="pt-BR" dirty="0" smtClean="0"/>
-              <a:t>olar </a:t>
-            </a:r>
-            <a:r>
-              <a:rPr lang="pt-BR" dirty="0" smtClean="0"/>
-              <a:t>existente </a:t>
+              <a:t>escolar existente </a:t>
             </a:r>
             <a:r>
               <a:rPr lang="pt-BR" dirty="0"/>
